--- a/project_presentation/pro0255.pptx
+++ b/project_presentation/pro0255.pptx
@@ -9255,15 +9255,15 @@
         </p:nvSpPr>
         <p:spPr>
           <a:xfrm>
-            <a:off x="3048000" y="3694744"/>
-            <a:ext cx="6096000" cy="2308324"/>
+            <a:off x="2379152" y="3519375"/>
+            <a:ext cx="7649592" cy="3139321"/>
           </a:xfrm>
           <a:prstGeom prst="rect">
             <a:avLst/>
           </a:prstGeom>
         </p:spPr>
         <p:txBody>
-          <a:bodyPr>
+          <a:bodyPr wrap="square">
             <a:spAutoFit/>
           </a:bodyPr>
           <a:lstStyle/>
@@ -9313,6 +9313,13 @@
               </a:rPr>
               <a:t>https://github.com/pro0255/AKS/tree/master/project</a:t>
             </a:r>
+            <a:endParaRPr lang="en-US" i="1" dirty="0">
+              <a:latin typeface="Calibri" panose="020F0502020204030204" pitchFamily="34" charset="0"/>
+              <a:cs typeface="Calibri" panose="020F0502020204030204" pitchFamily="34" charset="0"/>
+            </a:endParaRPr>
+          </a:p>
+          <a:p>
+            <a:pPr algn="ctr"/>
             <a:endParaRPr lang="cs-CZ" i="1" dirty="0">
               <a:latin typeface="Calibri" panose="020F0502020204030204" pitchFamily="34" charset="0"/>
               <a:cs typeface="Calibri" panose="020F0502020204030204" pitchFamily="34" charset="0"/>
@@ -9324,16 +9331,30 @@
               <a:rPr lang="cs-CZ" i="1" dirty="0">
                 <a:latin typeface="Calibri" panose="020F0502020204030204" pitchFamily="34" charset="0"/>
                 <a:cs typeface="Calibri" panose="020F0502020204030204" pitchFamily="34" charset="0"/>
-                <a:hlinkClick r:id="rId3"/>
+                <a:hlinkClick r:id="rId4"/>
               </a:rPr>
-              <a:t>https://github.com/pro0255/AKS/tree/master/project</a:t>
-            </a:r>
+              <a:t>https://github.com/pro0255/AKS/tree/master/project_text</a:t>
+            </a:r>
+            <a:endParaRPr lang="en-US" i="1" dirty="0">
+              <a:latin typeface="Calibri" panose="020F0502020204030204" pitchFamily="34" charset="0"/>
+              <a:cs typeface="Calibri" panose="020F0502020204030204" pitchFamily="34" charset="0"/>
+            </a:endParaRPr>
+          </a:p>
+          <a:p>
+            <a:pPr algn="ctr"/>
+            <a:endParaRPr lang="en-US" i="1" dirty="0">
+              <a:latin typeface="Calibri" panose="020F0502020204030204" pitchFamily="34" charset="0"/>
+              <a:cs typeface="Calibri" panose="020F0502020204030204" pitchFamily="34" charset="0"/>
+            </a:endParaRPr>
+          </a:p>
+          <a:p>
+            <a:pPr algn="ctr"/>
             <a:r>
               <a:rPr lang="cs-CZ" i="1" dirty="0">
                 <a:latin typeface="Calibri" panose="020F0502020204030204" pitchFamily="34" charset="0"/>
                 <a:cs typeface="Calibri" panose="020F0502020204030204" pitchFamily="34" charset="0"/>
               </a:rPr>
-              <a:t>_text</a:t>
+              <a:t>https://github.com/pro0255/AKS/tree/master/project_presentation</a:t>
             </a:r>
           </a:p>
           <a:p>

--- a/project_presentation/pro0255.pptx
+++ b/project_presentation/pro0255.pptx
@@ -20,11 +20,11 @@
     <p:sldId id="306" r:id="rId8"/>
     <p:sldId id="307" r:id="rId9"/>
     <p:sldId id="308" r:id="rId10"/>
-    <p:sldId id="309" r:id="rId11"/>
-    <p:sldId id="310" r:id="rId12"/>
-    <p:sldId id="314" r:id="rId13"/>
-    <p:sldId id="311" r:id="rId14"/>
-    <p:sldId id="312" r:id="rId15"/>
+    <p:sldId id="315" r:id="rId11"/>
+    <p:sldId id="319" r:id="rId12"/>
+    <p:sldId id="320" r:id="rId13"/>
+    <p:sldId id="321" r:id="rId14"/>
+    <p:sldId id="318" r:id="rId15"/>
     <p:sldId id="313" r:id="rId16"/>
     <p:sldId id="302" r:id="rId17"/>
     <p:sldId id="281" r:id="rId18"/>
@@ -261,7 +261,7 @@
           <a:p>
             <a:fld id="{A70746FA-9F78-5A43-BFD1-03D27A7F3C92}" type="datetimeFigureOut">
               <a:rPr lang="cs-CZ" smtClean="0"/>
-              <a:t>25.03.2022</a:t>
+              <a:t>28.03.2022</a:t>
             </a:fld>
             <a:endParaRPr lang="cs-CZ"/>
           </a:p>
@@ -439,7 +439,7 @@
           <a:p>
             <a:fld id="{D092D10F-BC7E-0545-A8D3-D708044527A6}" type="datetimeFigureOut">
               <a:rPr lang="cs-CZ" smtClean="0"/>
-              <a:t>25.03.2022</a:t>
+              <a:t>28.03.2022</a:t>
             </a:fld>
             <a:endParaRPr lang="cs-CZ"/>
           </a:p>
@@ -8023,50 +8023,192 @@
               <a:t>Výsledky DNA</a:t>
             </a:r>
           </a:p>
-          <a:p>
-            <a:pPr marL="342900" indent="-342900">
-              <a:lnSpc>
-                <a:spcPct val="100000"/>
-              </a:lnSpc>
-              <a:spcBef>
-                <a:spcPts val="0"/>
-              </a:spcBef>
-              <a:buFont typeface="Arial" panose="020B0604020202020204" pitchFamily="34" charset="0"/>
-              <a:buChar char="•"/>
-            </a:pPr>
-            <a:r>
-              <a:rPr lang="cs-CZ" sz="2400" dirty="0">
-                <a:latin typeface="Calibri" panose="020F0502020204030204" pitchFamily="34" charset="0"/>
-                <a:cs typeface="Calibri" panose="020F0502020204030204" pitchFamily="34" charset="0"/>
-              </a:rPr>
-              <a:t>Nalezení všech k-gramů</a:t>
-            </a:r>
-          </a:p>
-          <a:p>
-            <a:pPr marL="342900" indent="-342900">
-              <a:lnSpc>
-                <a:spcPct val="100000"/>
-              </a:lnSpc>
-              <a:spcBef>
-                <a:spcPts val="0"/>
-              </a:spcBef>
-              <a:buFont typeface="Arial" panose="020B0604020202020204" pitchFamily="34" charset="0"/>
-              <a:buChar char="•"/>
-            </a:pPr>
-            <a:r>
-              <a:rPr lang="cs-CZ" sz="2400" dirty="0">
-                <a:latin typeface="Calibri" panose="020F0502020204030204" pitchFamily="34" charset="0"/>
-                <a:cs typeface="Calibri" panose="020F0502020204030204" pitchFamily="34" charset="0"/>
-              </a:rPr>
-              <a:t>Výpočet změny entropie</a:t>
-            </a:r>
-          </a:p>
-        </p:txBody>
-      </p:sp>
+        </p:txBody>
+      </p:sp>
+      <p:pic>
+        <p:nvPicPr>
+          <p:cNvPr id="29" name="Picture 28" descr="Chart, line chart&#10;&#10;Description automatically generated">
+            <a:extLst>
+              <a:ext uri="{FF2B5EF4-FFF2-40B4-BE49-F238E27FC236}">
+                <a16:creationId xmlns:a16="http://schemas.microsoft.com/office/drawing/2014/main" id="{21B4FD04-5969-4250-A8E7-CCCFA2A302DF}"/>
+              </a:ext>
+            </a:extLst>
+          </p:cNvPr>
+          <p:cNvPicPr>
+            <a:picLocks noChangeAspect="1"/>
+          </p:cNvPicPr>
+          <p:nvPr/>
+        </p:nvPicPr>
+        <p:blipFill>
+          <a:blip r:embed="rId2"/>
+          <a:stretch>
+            <a:fillRect/>
+          </a:stretch>
+        </p:blipFill>
+        <p:spPr>
+          <a:xfrm>
+            <a:off x="435971" y="3872875"/>
+            <a:ext cx="3584447" cy="2560320"/>
+          </a:xfrm>
+          <a:prstGeom prst="rect">
+            <a:avLst/>
+          </a:prstGeom>
+        </p:spPr>
+      </p:pic>
+      <p:pic>
+        <p:nvPicPr>
+          <p:cNvPr id="30" name="Picture 29" descr="Chart, scatter chart&#10;&#10;Description automatically generated">
+            <a:extLst>
+              <a:ext uri="{FF2B5EF4-FFF2-40B4-BE49-F238E27FC236}">
+                <a16:creationId xmlns:a16="http://schemas.microsoft.com/office/drawing/2014/main" id="{E07C25CD-6143-4C2C-8075-4DFE928B6EEB}"/>
+              </a:ext>
+            </a:extLst>
+          </p:cNvPr>
+          <p:cNvPicPr>
+            <a:picLocks noChangeAspect="1"/>
+          </p:cNvPicPr>
+          <p:nvPr/>
+        </p:nvPicPr>
+        <p:blipFill>
+          <a:blip r:embed="rId3"/>
+          <a:stretch>
+            <a:fillRect/>
+          </a:stretch>
+        </p:blipFill>
+        <p:spPr>
+          <a:xfrm>
+            <a:off x="7946595" y="3915492"/>
+            <a:ext cx="3584447" cy="2560320"/>
+          </a:xfrm>
+          <a:prstGeom prst="rect">
+            <a:avLst/>
+          </a:prstGeom>
+        </p:spPr>
+      </p:pic>
+      <p:pic>
+        <p:nvPicPr>
+          <p:cNvPr id="31" name="Picture 30" descr="Chart, scatter chart&#10;&#10;Description automatically generated">
+            <a:extLst>
+              <a:ext uri="{FF2B5EF4-FFF2-40B4-BE49-F238E27FC236}">
+                <a16:creationId xmlns:a16="http://schemas.microsoft.com/office/drawing/2014/main" id="{E9E5F2D4-885D-4246-8070-C7BC9D1F3753}"/>
+              </a:ext>
+            </a:extLst>
+          </p:cNvPr>
+          <p:cNvPicPr>
+            <a:picLocks noChangeAspect="1"/>
+          </p:cNvPicPr>
+          <p:nvPr/>
+        </p:nvPicPr>
+        <p:blipFill>
+          <a:blip r:embed="rId4"/>
+          <a:stretch>
+            <a:fillRect/>
+          </a:stretch>
+        </p:blipFill>
+        <p:spPr>
+          <a:xfrm>
+            <a:off x="4212101" y="3872875"/>
+            <a:ext cx="3584447" cy="2560320"/>
+          </a:xfrm>
+          <a:prstGeom prst="rect">
+            <a:avLst/>
+          </a:prstGeom>
+        </p:spPr>
+      </p:pic>
+      <p:pic>
+        <p:nvPicPr>
+          <p:cNvPr id="32" name="Picture 31" descr="Chart, line chart&#10;&#10;Description automatically generated">
+            <a:extLst>
+              <a:ext uri="{FF2B5EF4-FFF2-40B4-BE49-F238E27FC236}">
+                <a16:creationId xmlns:a16="http://schemas.microsoft.com/office/drawing/2014/main" id="{81DE050C-790F-4B70-885C-2B1193ADE003}"/>
+              </a:ext>
+            </a:extLst>
+          </p:cNvPr>
+          <p:cNvPicPr>
+            <a:picLocks noChangeAspect="1"/>
+          </p:cNvPicPr>
+          <p:nvPr/>
+        </p:nvPicPr>
+        <p:blipFill>
+          <a:blip r:embed="rId5"/>
+          <a:stretch>
+            <a:fillRect/>
+          </a:stretch>
+        </p:blipFill>
+        <p:spPr>
+          <a:xfrm>
+            <a:off x="454771" y="1673745"/>
+            <a:ext cx="3584447" cy="2560320"/>
+          </a:xfrm>
+          <a:prstGeom prst="rect">
+            <a:avLst/>
+          </a:prstGeom>
+        </p:spPr>
+      </p:pic>
+      <p:pic>
+        <p:nvPicPr>
+          <p:cNvPr id="33" name="Picture 32" descr="Chart, line chart&#10;&#10;Description automatically generated">
+            <a:extLst>
+              <a:ext uri="{FF2B5EF4-FFF2-40B4-BE49-F238E27FC236}">
+                <a16:creationId xmlns:a16="http://schemas.microsoft.com/office/drawing/2014/main" id="{5BF166A9-C944-4D96-A517-E1C90E58C425}"/>
+              </a:ext>
+            </a:extLst>
+          </p:cNvPr>
+          <p:cNvPicPr>
+            <a:picLocks noChangeAspect="1"/>
+          </p:cNvPicPr>
+          <p:nvPr/>
+        </p:nvPicPr>
+        <p:blipFill>
+          <a:blip r:embed="rId6"/>
+          <a:stretch>
+            <a:fillRect/>
+          </a:stretch>
+        </p:blipFill>
+        <p:spPr>
+          <a:xfrm>
+            <a:off x="7886243" y="1645376"/>
+            <a:ext cx="3584447" cy="2560320"/>
+          </a:xfrm>
+          <a:prstGeom prst="rect">
+            <a:avLst/>
+          </a:prstGeom>
+        </p:spPr>
+      </p:pic>
+      <p:pic>
+        <p:nvPicPr>
+          <p:cNvPr id="34" name="Picture 33" descr="Chart, line chart&#10;&#10;Description automatically generated">
+            <a:extLst>
+              <a:ext uri="{FF2B5EF4-FFF2-40B4-BE49-F238E27FC236}">
+                <a16:creationId xmlns:a16="http://schemas.microsoft.com/office/drawing/2014/main" id="{2ECD4FA6-F86B-459B-AB2D-A69A273513E1}"/>
+              </a:ext>
+            </a:extLst>
+          </p:cNvPr>
+          <p:cNvPicPr>
+            <a:picLocks noChangeAspect="1"/>
+          </p:cNvPicPr>
+          <p:nvPr/>
+        </p:nvPicPr>
+        <p:blipFill>
+          <a:blip r:embed="rId7"/>
+          <a:stretch>
+            <a:fillRect/>
+          </a:stretch>
+        </p:blipFill>
+        <p:spPr>
+          <a:xfrm>
+            <a:off x="4158255" y="1673745"/>
+            <a:ext cx="3584447" cy="2560320"/>
+          </a:xfrm>
+          <a:prstGeom prst="rect">
+            <a:avLst/>
+          </a:prstGeom>
+        </p:spPr>
+      </p:pic>
     </p:spTree>
     <p:extLst>
       <p:ext uri="{BB962C8B-B14F-4D97-AF65-F5344CB8AC3E}">
-        <p14:creationId xmlns:p14="http://schemas.microsoft.com/office/powerpoint/2010/main" val="1477793690"/>
+        <p14:creationId xmlns:p14="http://schemas.microsoft.com/office/powerpoint/2010/main" val="229782073"/>
       </p:ext>
     </p:extLst>
   </p:cSld>
@@ -8185,38 +8327,212 @@
                 <a:latin typeface="Calibri" panose="020F0502020204030204" pitchFamily="34" charset="0"/>
                 <a:cs typeface="Calibri" panose="020F0502020204030204" pitchFamily="34" charset="0"/>
               </a:rPr>
-              <a:t>Výsledky proteinů</a:t>
-            </a:r>
-            <a:endParaRPr lang="cs-CZ" sz="2400" dirty="0">
+              <a:t>Výsledky </a:t>
+            </a:r>
+            <a:r>
+              <a:rPr lang="cs-CZ" sz="3200" b="1" dirty="0" err="1">
+                <a:solidFill>
+                  <a:srgbClr val="05C3DE"/>
+                </a:solidFill>
+                <a:latin typeface="Calibri" panose="020F0502020204030204" pitchFamily="34" charset="0"/>
+                <a:cs typeface="Calibri" panose="020F0502020204030204" pitchFamily="34" charset="0"/>
+              </a:rPr>
+              <a:t>English</a:t>
+            </a:r>
+            <a:endParaRPr lang="cs-CZ" sz="3200" b="1" dirty="0">
+              <a:solidFill>
+                <a:srgbClr val="05C3DE"/>
+              </a:solidFill>
               <a:latin typeface="Calibri" panose="020F0502020204030204" pitchFamily="34" charset="0"/>
               <a:cs typeface="Calibri" panose="020F0502020204030204" pitchFamily="34" charset="0"/>
             </a:endParaRPr>
           </a:p>
-          <a:p>
-            <a:pPr marL="342900" indent="-342900">
-              <a:lnSpc>
-                <a:spcPct val="100000"/>
-              </a:lnSpc>
-              <a:spcBef>
-                <a:spcPts val="0"/>
-              </a:spcBef>
-              <a:buFont typeface="Arial" panose="020B0604020202020204" pitchFamily="34" charset="0"/>
-              <a:buChar char="•"/>
-            </a:pPr>
-            <a:r>
-              <a:rPr lang="cs-CZ" sz="2400" dirty="0">
-                <a:latin typeface="Calibri" panose="020F0502020204030204" pitchFamily="34" charset="0"/>
-                <a:cs typeface="Calibri" panose="020F0502020204030204" pitchFamily="34" charset="0"/>
-              </a:rPr>
-              <a:t>Výpočet změny entropie</a:t>
-            </a:r>
-          </a:p>
-        </p:txBody>
-      </p:sp>
+        </p:txBody>
+      </p:sp>
+      <p:pic>
+        <p:nvPicPr>
+          <p:cNvPr id="6" name="Picture 5" descr="Chart, line chart&#10;&#10;Description automatically generated">
+            <a:extLst>
+              <a:ext uri="{FF2B5EF4-FFF2-40B4-BE49-F238E27FC236}">
+                <a16:creationId xmlns:a16="http://schemas.microsoft.com/office/drawing/2014/main" id="{14926D41-7C0C-45F0-9911-38E41B245528}"/>
+              </a:ext>
+            </a:extLst>
+          </p:cNvPr>
+          <p:cNvPicPr>
+            <a:picLocks noChangeAspect="1"/>
+          </p:cNvPicPr>
+          <p:nvPr/>
+        </p:nvPicPr>
+        <p:blipFill>
+          <a:blip r:embed="rId2"/>
+          <a:stretch>
+            <a:fillRect/>
+          </a:stretch>
+        </p:blipFill>
+        <p:spPr>
+          <a:xfrm>
+            <a:off x="699379" y="1730343"/>
+            <a:ext cx="3170993" cy="2264995"/>
+          </a:xfrm>
+          <a:prstGeom prst="rect">
+            <a:avLst/>
+          </a:prstGeom>
+        </p:spPr>
+      </p:pic>
+      <p:pic>
+        <p:nvPicPr>
+          <p:cNvPr id="8" name="Picture 7" descr="Chart, line chart&#10;&#10;Description automatically generated">
+            <a:extLst>
+              <a:ext uri="{FF2B5EF4-FFF2-40B4-BE49-F238E27FC236}">
+                <a16:creationId xmlns:a16="http://schemas.microsoft.com/office/drawing/2014/main" id="{85F969ED-C1EB-43F4-8303-D216FECB52FC}"/>
+              </a:ext>
+            </a:extLst>
+          </p:cNvPr>
+          <p:cNvPicPr>
+            <a:picLocks noChangeAspect="1"/>
+          </p:cNvPicPr>
+          <p:nvPr/>
+        </p:nvPicPr>
+        <p:blipFill>
+          <a:blip r:embed="rId3"/>
+          <a:stretch>
+            <a:fillRect/>
+          </a:stretch>
+        </p:blipFill>
+        <p:spPr>
+          <a:xfrm>
+            <a:off x="4305758" y="1650497"/>
+            <a:ext cx="3170993" cy="2264995"/>
+          </a:xfrm>
+          <a:prstGeom prst="rect">
+            <a:avLst/>
+          </a:prstGeom>
+        </p:spPr>
+      </p:pic>
+      <p:pic>
+        <p:nvPicPr>
+          <p:cNvPr id="10" name="Picture 9" descr="Chart, line chart&#10;&#10;Description automatically generated">
+            <a:extLst>
+              <a:ext uri="{FF2B5EF4-FFF2-40B4-BE49-F238E27FC236}">
+                <a16:creationId xmlns:a16="http://schemas.microsoft.com/office/drawing/2014/main" id="{B84621C9-206C-4654-AAAF-19AC65A39E68}"/>
+              </a:ext>
+            </a:extLst>
+          </p:cNvPr>
+          <p:cNvPicPr>
+            <a:picLocks noChangeAspect="1"/>
+          </p:cNvPicPr>
+          <p:nvPr/>
+        </p:nvPicPr>
+        <p:blipFill>
+          <a:blip r:embed="rId4"/>
+          <a:stretch>
+            <a:fillRect/>
+          </a:stretch>
+        </p:blipFill>
+        <p:spPr>
+          <a:xfrm>
+            <a:off x="7818480" y="1502834"/>
+            <a:ext cx="3584448" cy="2560320"/>
+          </a:xfrm>
+          <a:prstGeom prst="rect">
+            <a:avLst/>
+          </a:prstGeom>
+        </p:spPr>
+      </p:pic>
+      <p:pic>
+        <p:nvPicPr>
+          <p:cNvPr id="12" name="Picture 11" descr="Chart, line chart&#10;&#10;Description automatically generated">
+            <a:extLst>
+              <a:ext uri="{FF2B5EF4-FFF2-40B4-BE49-F238E27FC236}">
+                <a16:creationId xmlns:a16="http://schemas.microsoft.com/office/drawing/2014/main" id="{81A90AEB-AC96-4341-97B3-583A0099A7CB}"/>
+              </a:ext>
+            </a:extLst>
+          </p:cNvPr>
+          <p:cNvPicPr>
+            <a:picLocks noChangeAspect="1"/>
+          </p:cNvPicPr>
+          <p:nvPr/>
+        </p:nvPicPr>
+        <p:blipFill>
+          <a:blip r:embed="rId5"/>
+          <a:stretch>
+            <a:fillRect/>
+          </a:stretch>
+        </p:blipFill>
+        <p:spPr>
+          <a:xfrm>
+            <a:off x="660958" y="3802208"/>
+            <a:ext cx="3333750" cy="2381250"/>
+          </a:xfrm>
+          <a:prstGeom prst="rect">
+            <a:avLst/>
+          </a:prstGeom>
+        </p:spPr>
+      </p:pic>
+      <p:pic>
+        <p:nvPicPr>
+          <p:cNvPr id="14" name="Picture 13" descr="Chart, line chart&#10;&#10;Description automatically generated">
+            <a:extLst>
+              <a:ext uri="{FF2B5EF4-FFF2-40B4-BE49-F238E27FC236}">
+                <a16:creationId xmlns:a16="http://schemas.microsoft.com/office/drawing/2014/main" id="{E55D02FA-B68C-456E-8339-625DD00EB5E3}"/>
+              </a:ext>
+            </a:extLst>
+          </p:cNvPr>
+          <p:cNvPicPr>
+            <a:picLocks noChangeAspect="1"/>
+          </p:cNvPicPr>
+          <p:nvPr/>
+        </p:nvPicPr>
+        <p:blipFill>
+          <a:blip r:embed="rId6"/>
+          <a:stretch>
+            <a:fillRect/>
+          </a:stretch>
+        </p:blipFill>
+        <p:spPr>
+          <a:xfrm>
+            <a:off x="4303776" y="3800790"/>
+            <a:ext cx="3333750" cy="2381250"/>
+          </a:xfrm>
+          <a:prstGeom prst="rect">
+            <a:avLst/>
+          </a:prstGeom>
+        </p:spPr>
+      </p:pic>
+      <p:pic>
+        <p:nvPicPr>
+          <p:cNvPr id="16" name="Picture 15" descr="Chart, scatter chart&#10;&#10;Description automatically generated">
+            <a:extLst>
+              <a:ext uri="{FF2B5EF4-FFF2-40B4-BE49-F238E27FC236}">
+                <a16:creationId xmlns:a16="http://schemas.microsoft.com/office/drawing/2014/main" id="{5987DECE-6358-45AF-B5D6-D2C48C3C998C}"/>
+              </a:ext>
+            </a:extLst>
+          </p:cNvPr>
+          <p:cNvPicPr>
+            <a:picLocks noChangeAspect="1"/>
+          </p:cNvPicPr>
+          <p:nvPr/>
+        </p:nvPicPr>
+        <p:blipFill>
+          <a:blip r:embed="rId7"/>
+          <a:stretch>
+            <a:fillRect/>
+          </a:stretch>
+        </p:blipFill>
+        <p:spPr>
+          <a:xfrm>
+            <a:off x="7958481" y="3800790"/>
+            <a:ext cx="3437322" cy="2455230"/>
+          </a:xfrm>
+          <a:prstGeom prst="rect">
+            <a:avLst/>
+          </a:prstGeom>
+        </p:spPr>
+      </p:pic>
     </p:spTree>
     <p:extLst>
       <p:ext uri="{BB962C8B-B14F-4D97-AF65-F5344CB8AC3E}">
-        <p14:creationId xmlns:p14="http://schemas.microsoft.com/office/powerpoint/2010/main" val="2379764629"/>
+        <p14:creationId xmlns:p14="http://schemas.microsoft.com/office/powerpoint/2010/main" val="4150142002"/>
       </p:ext>
     </p:extLst>
   </p:cSld>
@@ -8335,28 +8651,212 @@
                 <a:latin typeface="Calibri" panose="020F0502020204030204" pitchFamily="34" charset="0"/>
                 <a:cs typeface="Calibri" panose="020F0502020204030204" pitchFamily="34" charset="0"/>
               </a:rPr>
-              <a:t>Výsledky zdrojových kódů</a:t>
-            </a:r>
-          </a:p>
-          <a:p>
-            <a:pPr marL="342900" indent="-342900">
-              <a:buFont typeface="Arial" panose="020B0604020202020204" pitchFamily="34" charset="0"/>
-              <a:buChar char="•"/>
-            </a:pPr>
-            <a:r>
-              <a:rPr lang="cs-CZ" sz="2400" dirty="0">
+              <a:t>Výsledky </a:t>
+            </a:r>
+            <a:r>
+              <a:rPr lang="cs-CZ" sz="3200" b="1" dirty="0" err="1">
+                <a:solidFill>
+                  <a:srgbClr val="05C3DE"/>
+                </a:solidFill>
                 <a:latin typeface="Calibri" panose="020F0502020204030204" pitchFamily="34" charset="0"/>
                 <a:cs typeface="Calibri" panose="020F0502020204030204" pitchFamily="34" charset="0"/>
               </a:rPr>
-              <a:t>Výpočet změny entropie</a:t>
-            </a:r>
-          </a:p>
-        </p:txBody>
-      </p:sp>
+              <a:t>Sources</a:t>
+            </a:r>
+            <a:endParaRPr lang="cs-CZ" sz="3200" b="1" dirty="0">
+              <a:solidFill>
+                <a:srgbClr val="05C3DE"/>
+              </a:solidFill>
+              <a:latin typeface="Calibri" panose="020F0502020204030204" pitchFamily="34" charset="0"/>
+              <a:cs typeface="Calibri" panose="020F0502020204030204" pitchFamily="34" charset="0"/>
+            </a:endParaRPr>
+          </a:p>
+        </p:txBody>
+      </p:sp>
+      <p:pic>
+        <p:nvPicPr>
+          <p:cNvPr id="6" name="Picture 5" descr="Chart, line chart&#10;&#10;Description automatically generated">
+            <a:extLst>
+              <a:ext uri="{FF2B5EF4-FFF2-40B4-BE49-F238E27FC236}">
+                <a16:creationId xmlns:a16="http://schemas.microsoft.com/office/drawing/2014/main" id="{F3BC649F-22DD-4C62-B9C7-53BD2402BD3A}"/>
+              </a:ext>
+            </a:extLst>
+          </p:cNvPr>
+          <p:cNvPicPr>
+            <a:picLocks noChangeAspect="1"/>
+          </p:cNvPicPr>
+          <p:nvPr/>
+        </p:nvPicPr>
+        <p:blipFill>
+          <a:blip r:embed="rId2"/>
+          <a:stretch>
+            <a:fillRect/>
+          </a:stretch>
+        </p:blipFill>
+        <p:spPr>
+          <a:xfrm>
+            <a:off x="602783" y="1830854"/>
+            <a:ext cx="3250822" cy="2322016"/>
+          </a:xfrm>
+          <a:prstGeom prst="rect">
+            <a:avLst/>
+          </a:prstGeom>
+        </p:spPr>
+      </p:pic>
+      <p:pic>
+        <p:nvPicPr>
+          <p:cNvPr id="8" name="Picture 7" descr="Chart, line chart&#10;&#10;Description automatically generated">
+            <a:extLst>
+              <a:ext uri="{FF2B5EF4-FFF2-40B4-BE49-F238E27FC236}">
+                <a16:creationId xmlns:a16="http://schemas.microsoft.com/office/drawing/2014/main" id="{7170A5FE-4482-4352-AA10-72AC84A800F3}"/>
+              </a:ext>
+            </a:extLst>
+          </p:cNvPr>
+          <p:cNvPicPr>
+            <a:picLocks noChangeAspect="1"/>
+          </p:cNvPicPr>
+          <p:nvPr/>
+        </p:nvPicPr>
+        <p:blipFill>
+          <a:blip r:embed="rId3"/>
+          <a:stretch>
+            <a:fillRect/>
+          </a:stretch>
+        </p:blipFill>
+        <p:spPr>
+          <a:xfrm>
+            <a:off x="4337449" y="1771620"/>
+            <a:ext cx="3333750" cy="2381250"/>
+          </a:xfrm>
+          <a:prstGeom prst="rect">
+            <a:avLst/>
+          </a:prstGeom>
+        </p:spPr>
+      </p:pic>
+      <p:pic>
+        <p:nvPicPr>
+          <p:cNvPr id="10" name="Picture 9" descr="Chart, line chart&#10;&#10;Description automatically generated">
+            <a:extLst>
+              <a:ext uri="{FF2B5EF4-FFF2-40B4-BE49-F238E27FC236}">
+                <a16:creationId xmlns:a16="http://schemas.microsoft.com/office/drawing/2014/main" id="{BCF17EDA-97AD-4B1F-9220-E660D5DE848E}"/>
+              </a:ext>
+            </a:extLst>
+          </p:cNvPr>
+          <p:cNvPicPr>
+            <a:picLocks noChangeAspect="1"/>
+          </p:cNvPicPr>
+          <p:nvPr/>
+        </p:nvPicPr>
+        <p:blipFill>
+          <a:blip r:embed="rId4"/>
+          <a:stretch>
+            <a:fillRect/>
+          </a:stretch>
+        </p:blipFill>
+        <p:spPr>
+          <a:xfrm>
+            <a:off x="8030941" y="1628467"/>
+            <a:ext cx="3734577" cy="2667555"/>
+          </a:xfrm>
+          <a:prstGeom prst="rect">
+            <a:avLst/>
+          </a:prstGeom>
+        </p:spPr>
+      </p:pic>
+      <p:pic>
+        <p:nvPicPr>
+          <p:cNvPr id="12" name="Picture 11" descr="Chart, line chart&#10;&#10;Description automatically generated">
+            <a:extLst>
+              <a:ext uri="{FF2B5EF4-FFF2-40B4-BE49-F238E27FC236}">
+                <a16:creationId xmlns:a16="http://schemas.microsoft.com/office/drawing/2014/main" id="{BD90B578-E182-4E23-9D83-614BD41A9D27}"/>
+              </a:ext>
+            </a:extLst>
+          </p:cNvPr>
+          <p:cNvPicPr>
+            <a:picLocks noChangeAspect="1"/>
+          </p:cNvPicPr>
+          <p:nvPr/>
+        </p:nvPicPr>
+        <p:blipFill>
+          <a:blip r:embed="rId5"/>
+          <a:stretch>
+            <a:fillRect/>
+          </a:stretch>
+        </p:blipFill>
+        <p:spPr>
+          <a:xfrm>
+            <a:off x="497622" y="3884103"/>
+            <a:ext cx="3461144" cy="2472246"/>
+          </a:xfrm>
+          <a:prstGeom prst="rect">
+            <a:avLst/>
+          </a:prstGeom>
+        </p:spPr>
+      </p:pic>
+      <p:pic>
+        <p:nvPicPr>
+          <p:cNvPr id="14" name="Picture 13" descr="Chart, scatter chart&#10;&#10;Description automatically generated">
+            <a:extLst>
+              <a:ext uri="{FF2B5EF4-FFF2-40B4-BE49-F238E27FC236}">
+                <a16:creationId xmlns:a16="http://schemas.microsoft.com/office/drawing/2014/main" id="{34EDC01A-4611-4A1F-8CA9-111713FD90D3}"/>
+              </a:ext>
+            </a:extLst>
+          </p:cNvPr>
+          <p:cNvPicPr>
+            <a:picLocks noChangeAspect="1"/>
+          </p:cNvPicPr>
+          <p:nvPr/>
+        </p:nvPicPr>
+        <p:blipFill>
+          <a:blip r:embed="rId6"/>
+          <a:stretch>
+            <a:fillRect/>
+          </a:stretch>
+        </p:blipFill>
+        <p:spPr>
+          <a:xfrm>
+            <a:off x="4303776" y="3884103"/>
+            <a:ext cx="3584448" cy="2560320"/>
+          </a:xfrm>
+          <a:prstGeom prst="rect">
+            <a:avLst/>
+          </a:prstGeom>
+        </p:spPr>
+      </p:pic>
+      <p:pic>
+        <p:nvPicPr>
+          <p:cNvPr id="16" name="Picture 15" descr="Chart, scatter chart&#10;&#10;Description automatically generated">
+            <a:extLst>
+              <a:ext uri="{FF2B5EF4-FFF2-40B4-BE49-F238E27FC236}">
+                <a16:creationId xmlns:a16="http://schemas.microsoft.com/office/drawing/2014/main" id="{A6FCEB67-7DB5-4992-AACF-AE09FF1FBFB4}"/>
+              </a:ext>
+            </a:extLst>
+          </p:cNvPr>
+          <p:cNvPicPr>
+            <a:picLocks noChangeAspect="1"/>
+          </p:cNvPicPr>
+          <p:nvPr/>
+        </p:nvPicPr>
+        <p:blipFill>
+          <a:blip r:embed="rId7"/>
+          <a:stretch>
+            <a:fillRect/>
+          </a:stretch>
+        </p:blipFill>
+        <p:spPr>
+          <a:xfrm>
+            <a:off x="8049882" y="3866138"/>
+            <a:ext cx="3734578" cy="2667556"/>
+          </a:xfrm>
+          <a:prstGeom prst="rect">
+            <a:avLst/>
+          </a:prstGeom>
+        </p:spPr>
+      </p:pic>
     </p:spTree>
     <p:extLst>
       <p:ext uri="{BB962C8B-B14F-4D97-AF65-F5344CB8AC3E}">
-        <p14:creationId xmlns:p14="http://schemas.microsoft.com/office/powerpoint/2010/main" val="3081302552"/>
+        <p14:creationId xmlns:p14="http://schemas.microsoft.com/office/powerpoint/2010/main" val="576367042"/>
       </p:ext>
     </p:extLst>
   </p:cSld>
@@ -8475,38 +8975,212 @@
                 <a:latin typeface="Calibri" panose="020F0502020204030204" pitchFamily="34" charset="0"/>
                 <a:cs typeface="Calibri" panose="020F0502020204030204" pitchFamily="34" charset="0"/>
               </a:rPr>
-              <a:t>Výsledky anglických textů</a:t>
-            </a:r>
-            <a:endParaRPr lang="cs-CZ" sz="2400" dirty="0">
+              <a:t>Výsledky </a:t>
+            </a:r>
+            <a:r>
+              <a:rPr lang="cs-CZ" sz="3200" b="1" dirty="0" err="1">
+                <a:solidFill>
+                  <a:srgbClr val="05C3DE"/>
+                </a:solidFill>
+                <a:latin typeface="Calibri" panose="020F0502020204030204" pitchFamily="34" charset="0"/>
+                <a:cs typeface="Calibri" panose="020F0502020204030204" pitchFamily="34" charset="0"/>
+              </a:rPr>
+              <a:t>Proteins</a:t>
+            </a:r>
+            <a:endParaRPr lang="cs-CZ" sz="3200" b="1" dirty="0">
+              <a:solidFill>
+                <a:srgbClr val="05C3DE"/>
+              </a:solidFill>
               <a:latin typeface="Calibri" panose="020F0502020204030204" pitchFamily="34" charset="0"/>
               <a:cs typeface="Calibri" panose="020F0502020204030204" pitchFamily="34" charset="0"/>
             </a:endParaRPr>
           </a:p>
-          <a:p>
-            <a:pPr marL="342900" indent="-342900">
-              <a:lnSpc>
-                <a:spcPct val="100000"/>
-              </a:lnSpc>
-              <a:spcBef>
-                <a:spcPts val="0"/>
-              </a:spcBef>
-              <a:buFont typeface="Arial" panose="020B0604020202020204" pitchFamily="34" charset="0"/>
-              <a:buChar char="•"/>
-            </a:pPr>
-            <a:r>
-              <a:rPr lang="cs-CZ" sz="2400" dirty="0">
-                <a:latin typeface="Calibri" panose="020F0502020204030204" pitchFamily="34" charset="0"/>
-                <a:cs typeface="Calibri" panose="020F0502020204030204" pitchFamily="34" charset="0"/>
-              </a:rPr>
-              <a:t>Výpočet změny entropie</a:t>
-            </a:r>
-          </a:p>
-        </p:txBody>
-      </p:sp>
+        </p:txBody>
+      </p:sp>
+      <p:pic>
+        <p:nvPicPr>
+          <p:cNvPr id="6" name="Picture 5" descr="Chart, line chart&#10;&#10;Description automatically generated">
+            <a:extLst>
+              <a:ext uri="{FF2B5EF4-FFF2-40B4-BE49-F238E27FC236}">
+                <a16:creationId xmlns:a16="http://schemas.microsoft.com/office/drawing/2014/main" id="{3774C4A2-2993-47B0-8609-0869A489ED4A}"/>
+              </a:ext>
+            </a:extLst>
+          </p:cNvPr>
+          <p:cNvPicPr>
+            <a:picLocks noChangeAspect="1"/>
+          </p:cNvPicPr>
+          <p:nvPr/>
+        </p:nvPicPr>
+        <p:blipFill>
+          <a:blip r:embed="rId2"/>
+          <a:stretch>
+            <a:fillRect/>
+          </a:stretch>
+        </p:blipFill>
+        <p:spPr>
+          <a:xfrm>
+            <a:off x="406064" y="1623874"/>
+            <a:ext cx="3685898" cy="2632784"/>
+          </a:xfrm>
+          <a:prstGeom prst="rect">
+            <a:avLst/>
+          </a:prstGeom>
+        </p:spPr>
+      </p:pic>
+      <p:pic>
+        <p:nvPicPr>
+          <p:cNvPr id="8" name="Picture 7" descr="Chart, line chart&#10;&#10;Description automatically generated">
+            <a:extLst>
+              <a:ext uri="{FF2B5EF4-FFF2-40B4-BE49-F238E27FC236}">
+                <a16:creationId xmlns:a16="http://schemas.microsoft.com/office/drawing/2014/main" id="{34D91309-5FFA-4642-852A-7E18048536B4}"/>
+              </a:ext>
+            </a:extLst>
+          </p:cNvPr>
+          <p:cNvPicPr>
+            <a:picLocks noChangeAspect="1"/>
+          </p:cNvPicPr>
+          <p:nvPr/>
+        </p:nvPicPr>
+        <p:blipFill>
+          <a:blip r:embed="rId3"/>
+          <a:stretch>
+            <a:fillRect/>
+          </a:stretch>
+        </p:blipFill>
+        <p:spPr>
+          <a:xfrm>
+            <a:off x="3918029" y="1446690"/>
+            <a:ext cx="4182011" cy="2987151"/>
+          </a:xfrm>
+          <a:prstGeom prst="rect">
+            <a:avLst/>
+          </a:prstGeom>
+        </p:spPr>
+      </p:pic>
+      <p:pic>
+        <p:nvPicPr>
+          <p:cNvPr id="10" name="Picture 9" descr="Chart, line chart, scatter chart&#10;&#10;Description automatically generated">
+            <a:extLst>
+              <a:ext uri="{FF2B5EF4-FFF2-40B4-BE49-F238E27FC236}">
+                <a16:creationId xmlns:a16="http://schemas.microsoft.com/office/drawing/2014/main" id="{726E4D21-0C43-4B5A-8BC1-0E76B8A063B1}"/>
+              </a:ext>
+            </a:extLst>
+          </p:cNvPr>
+          <p:cNvPicPr>
+            <a:picLocks noChangeAspect="1"/>
+          </p:cNvPicPr>
+          <p:nvPr/>
+        </p:nvPicPr>
+        <p:blipFill>
+          <a:blip r:embed="rId4"/>
+          <a:stretch>
+            <a:fillRect/>
+          </a:stretch>
+        </p:blipFill>
+        <p:spPr>
+          <a:xfrm>
+            <a:off x="7782651" y="1527702"/>
+            <a:ext cx="3955175" cy="2825125"/>
+          </a:xfrm>
+          <a:prstGeom prst="rect">
+            <a:avLst/>
+          </a:prstGeom>
+        </p:spPr>
+      </p:pic>
+      <p:pic>
+        <p:nvPicPr>
+          <p:cNvPr id="12" name="Picture 11" descr="Chart, line chart&#10;&#10;Description automatically generated">
+            <a:extLst>
+              <a:ext uri="{FF2B5EF4-FFF2-40B4-BE49-F238E27FC236}">
+                <a16:creationId xmlns:a16="http://schemas.microsoft.com/office/drawing/2014/main" id="{0C9D82E6-A3BB-4246-83EB-6429D54C6F4D}"/>
+              </a:ext>
+            </a:extLst>
+          </p:cNvPr>
+          <p:cNvPicPr>
+            <a:picLocks noChangeAspect="1"/>
+          </p:cNvPicPr>
+          <p:nvPr/>
+        </p:nvPicPr>
+        <p:blipFill>
+          <a:blip r:embed="rId5"/>
+          <a:stretch>
+            <a:fillRect/>
+          </a:stretch>
+        </p:blipFill>
+        <p:spPr>
+          <a:xfrm>
+            <a:off x="484686" y="3817638"/>
+            <a:ext cx="3584448" cy="2560320"/>
+          </a:xfrm>
+          <a:prstGeom prst="rect">
+            <a:avLst/>
+          </a:prstGeom>
+        </p:spPr>
+      </p:pic>
+      <p:pic>
+        <p:nvPicPr>
+          <p:cNvPr id="14" name="Picture 13" descr="Chart, scatter chart&#10;&#10;Description automatically generated">
+            <a:extLst>
+              <a:ext uri="{FF2B5EF4-FFF2-40B4-BE49-F238E27FC236}">
+                <a16:creationId xmlns:a16="http://schemas.microsoft.com/office/drawing/2014/main" id="{9C88CF6A-4370-45DD-BDE6-6F3E1A71C058}"/>
+              </a:ext>
+            </a:extLst>
+          </p:cNvPr>
+          <p:cNvPicPr>
+            <a:picLocks noChangeAspect="1"/>
+          </p:cNvPicPr>
+          <p:nvPr/>
+        </p:nvPicPr>
+        <p:blipFill>
+          <a:blip r:embed="rId6"/>
+          <a:stretch>
+            <a:fillRect/>
+          </a:stretch>
+        </p:blipFill>
+        <p:spPr>
+          <a:xfrm>
+            <a:off x="4233078" y="3879259"/>
+            <a:ext cx="3685899" cy="2632785"/>
+          </a:xfrm>
+          <a:prstGeom prst="rect">
+            <a:avLst/>
+          </a:prstGeom>
+        </p:spPr>
+      </p:pic>
+      <p:pic>
+        <p:nvPicPr>
+          <p:cNvPr id="16" name="Picture 15" descr="Chart, scatter chart&#10;&#10;Description automatically generated">
+            <a:extLst>
+              <a:ext uri="{FF2B5EF4-FFF2-40B4-BE49-F238E27FC236}">
+                <a16:creationId xmlns:a16="http://schemas.microsoft.com/office/drawing/2014/main" id="{30F852D8-3B9E-4C65-A366-AC30AA58E942}"/>
+              </a:ext>
+            </a:extLst>
+          </p:cNvPr>
+          <p:cNvPicPr>
+            <a:picLocks noChangeAspect="1"/>
+          </p:cNvPicPr>
+          <p:nvPr/>
+        </p:nvPicPr>
+        <p:blipFill>
+          <a:blip r:embed="rId7"/>
+          <a:stretch>
+            <a:fillRect/>
+          </a:stretch>
+        </p:blipFill>
+        <p:spPr>
+          <a:xfrm>
+            <a:off x="7974994" y="3960633"/>
+            <a:ext cx="3570488" cy="2550349"/>
+          </a:xfrm>
+          <a:prstGeom prst="rect">
+            <a:avLst/>
+          </a:prstGeom>
+        </p:spPr>
+      </p:pic>
     </p:spTree>
     <p:extLst>
       <p:ext uri="{BB962C8B-B14F-4D97-AF65-F5344CB8AC3E}">
-        <p14:creationId xmlns:p14="http://schemas.microsoft.com/office/powerpoint/2010/main" val="738393667"/>
+        <p14:creationId xmlns:p14="http://schemas.microsoft.com/office/powerpoint/2010/main" val="4231374133"/>
       </p:ext>
     </p:extLst>
   </p:cSld>
@@ -8535,25 +9209,142 @@
       </p:grpSpPr>
       <p:sp>
         <p:nvSpPr>
-          <p:cNvPr id="3" name="Zástupný symbol pro zápatí 2">
-            <a:extLst>
-              <a:ext uri="{FF2B5EF4-FFF2-40B4-BE49-F238E27FC236}">
-                <a16:creationId xmlns:a16="http://schemas.microsoft.com/office/drawing/2014/main" id="{63852AD6-DAF4-45B4-BF39-FCE59531F18B}"/>
-              </a:ext>
-            </a:extLst>
-          </p:cNvPr>
-          <p:cNvSpPr>
-            <a:spLocks noGrp="1"/>
-          </p:cNvSpPr>
-          <p:nvPr>
-            <p:ph type="ftr" sz="quarter" idx="11"/>
-          </p:nvPr>
-        </p:nvSpPr>
-        <p:spPr/>
+          <p:cNvPr id="5" name="Zástupný text 4">
+            <a:extLst>
+              <a:ext uri="{FF2B5EF4-FFF2-40B4-BE49-F238E27FC236}">
+                <a16:creationId xmlns:a16="http://schemas.microsoft.com/office/drawing/2014/main" id="{B8CD665D-2623-4759-8A25-23327FD65379}"/>
+              </a:ext>
+            </a:extLst>
+          </p:cNvPr>
+          <p:cNvSpPr>
+            <a:spLocks noGrp="1"/>
+          </p:cNvSpPr>
+          <p:nvPr>
+            <p:ph type="title"/>
+          </p:nvPr>
+        </p:nvSpPr>
+        <p:spPr>
+          <a:xfrm>
+            <a:off x="200179" y="1089025"/>
+            <a:ext cx="11807825" cy="719138"/>
+          </a:xfrm>
+        </p:spPr>
+        <p:txBody>
+          <a:bodyPr anchor="b">
+            <a:normAutofit/>
+          </a:bodyPr>
+          <a:lstStyle/>
+          <a:p>
+            <a:r>
+              <a:rPr lang="cs-CZ" b="1"/>
+              <a:t>Časové trvání</a:t>
+            </a:r>
+            <a:endParaRPr lang="cs-CZ"/>
+          </a:p>
+        </p:txBody>
+      </p:sp>
+      <p:pic>
+        <p:nvPicPr>
+          <p:cNvPr id="7" name="Picture 6" descr="Chart, bar chart&#10;&#10;Description automatically generated">
+            <a:extLst>
+              <a:ext uri="{FF2B5EF4-FFF2-40B4-BE49-F238E27FC236}">
+                <a16:creationId xmlns:a16="http://schemas.microsoft.com/office/drawing/2014/main" id="{1C571E69-7243-4959-B877-9E0AE08B72C6}"/>
+              </a:ext>
+            </a:extLst>
+          </p:cNvPr>
+          <p:cNvPicPr>
+            <a:picLocks noChangeAspect="1"/>
+          </p:cNvPicPr>
+          <p:nvPr/>
+        </p:nvPicPr>
+        <p:blipFill>
+          <a:blip r:embed="rId2"/>
+          <a:stretch>
+            <a:fillRect/>
+          </a:stretch>
+        </p:blipFill>
+        <p:spPr>
+          <a:xfrm>
+            <a:off x="831454" y="1989138"/>
+            <a:ext cx="10529091" cy="4211637"/>
+          </a:xfrm>
+          <a:prstGeom prst="rect">
+            <a:avLst/>
+          </a:prstGeom>
+          <a:noFill/>
+        </p:spPr>
+      </p:pic>
+      <p:sp>
+        <p:nvSpPr>
+          <p:cNvPr id="12" name="Date Placeholder 3">
+            <a:extLst>
+              <a:ext uri="{FF2B5EF4-FFF2-40B4-BE49-F238E27FC236}">
+                <a16:creationId xmlns:a16="http://schemas.microsoft.com/office/drawing/2014/main" id="{DDFA9C3B-8C48-C6B8-5527-064580469575}"/>
+              </a:ext>
+            </a:extLst>
+          </p:cNvPr>
+          <p:cNvSpPr>
+            <a:spLocks noGrp="1"/>
+          </p:cNvSpPr>
+          <p:nvPr>
+            <p:ph type="dt" sz="half" idx="10"/>
+          </p:nvPr>
+        </p:nvSpPr>
+        <p:spPr>
+          <a:xfrm>
+            <a:off x="216468" y="6356349"/>
+            <a:ext cx="947170" cy="302347"/>
+          </a:xfrm>
+        </p:spPr>
         <p:txBody>
           <a:bodyPr/>
           <a:lstStyle/>
           <a:p>
+            <a:pPr>
+              <a:spcAft>
+                <a:spcPts val="600"/>
+              </a:spcAft>
+            </a:pPr>
+            <a:r>
+              <a:rPr lang="cs-CZ"/>
+              <a:t>11/04/2019</a:t>
+            </a:r>
+          </a:p>
+        </p:txBody>
+      </p:sp>
+      <p:sp>
+        <p:nvSpPr>
+          <p:cNvPr id="3" name="Zástupný symbol pro zápatí 2">
+            <a:extLst>
+              <a:ext uri="{FF2B5EF4-FFF2-40B4-BE49-F238E27FC236}">
+                <a16:creationId xmlns:a16="http://schemas.microsoft.com/office/drawing/2014/main" id="{63852AD6-DAF4-45B4-BF39-FCE59531F18B}"/>
+              </a:ext>
+            </a:extLst>
+          </p:cNvPr>
+          <p:cNvSpPr>
+            <a:spLocks noGrp="1"/>
+          </p:cNvSpPr>
+          <p:nvPr>
+            <p:ph type="ftr" sz="quarter" idx="11"/>
+          </p:nvPr>
+        </p:nvSpPr>
+        <p:spPr>
+          <a:xfrm>
+            <a:off x="1303505" y="6356351"/>
+            <a:ext cx="10145949" cy="312738"/>
+          </a:xfrm>
+        </p:spPr>
+        <p:txBody>
+          <a:bodyPr anchor="ctr">
+            <a:normAutofit/>
+          </a:bodyPr>
+          <a:lstStyle/>
+          <a:p>
+            <a:pPr>
+              <a:spcAft>
+                <a:spcPts val="600"/>
+              </a:spcAft>
+            </a:pPr>
             <a:r>
               <a:rPr lang="cs-CZ" dirty="0" err="1"/>
               <a:t>Reduction</a:t>
@@ -8562,6 +9353,7 @@
               <a:rPr lang="cs-CZ" dirty="0"/>
               <a:t> Paradox</a:t>
             </a:r>
+            <a:endParaRPr lang="cs-CZ"/>
           </a:p>
         </p:txBody>
       </p:sp>
@@ -8581,82 +9373,40 @@
             <p:ph type="sldNum" sz="quarter" idx="12"/>
           </p:nvPr>
         </p:nvSpPr>
-        <p:spPr/>
-        <p:txBody>
-          <a:bodyPr/>
+        <p:spPr>
+          <a:xfrm>
+            <a:off x="11588926" y="6356350"/>
+            <a:ext cx="401782" cy="312740"/>
+          </a:xfrm>
+        </p:spPr>
+        <p:txBody>
+          <a:bodyPr anchor="ctr">
+            <a:normAutofit/>
+          </a:bodyPr>
           <a:lstStyle/>
           <a:p>
+            <a:pPr>
+              <a:spcAft>
+                <a:spcPts val="600"/>
+              </a:spcAft>
+            </a:pPr>
             <a:fld id="{1EA44BAA-1A06-B141-8215-9D88CF6A7203}" type="slidenum">
               <a:rPr lang="cs-CZ" smtClean="0"/>
+              <a:pPr>
+                <a:spcAft>
+                  <a:spcPts val="600"/>
+                </a:spcAft>
+              </a:pPr>
               <a:t>13</a:t>
             </a:fld>
             <a:endParaRPr lang="cs-CZ"/>
           </a:p>
         </p:txBody>
       </p:sp>
-      <p:sp>
-        <p:nvSpPr>
-          <p:cNvPr id="5" name="Zástupný text 4">
-            <a:extLst>
-              <a:ext uri="{FF2B5EF4-FFF2-40B4-BE49-F238E27FC236}">
-                <a16:creationId xmlns:a16="http://schemas.microsoft.com/office/drawing/2014/main" id="{B8CD665D-2623-4759-8A25-23327FD65379}"/>
-              </a:ext>
-            </a:extLst>
-          </p:cNvPr>
-          <p:cNvSpPr>
-            <a:spLocks noGrp="1"/>
-          </p:cNvSpPr>
-          <p:nvPr>
-            <p:ph type="body" idx="13"/>
-          </p:nvPr>
-        </p:nvSpPr>
-        <p:spPr/>
-        <p:txBody>
-          <a:bodyPr>
-            <a:normAutofit/>
-          </a:bodyPr>
-          <a:lstStyle/>
-          <a:p>
-            <a:r>
-              <a:rPr lang="cs-CZ" sz="3200" b="1" dirty="0">
-                <a:solidFill>
-                  <a:srgbClr val="05C3DE"/>
-                </a:solidFill>
-                <a:latin typeface="Calibri" panose="020F0502020204030204" pitchFamily="34" charset="0"/>
-                <a:cs typeface="Calibri" panose="020F0502020204030204" pitchFamily="34" charset="0"/>
-              </a:rPr>
-              <a:t>Časová náročnost</a:t>
-            </a:r>
-            <a:endParaRPr lang="cs-CZ" sz="2400" dirty="0">
-              <a:latin typeface="Calibri" panose="020F0502020204030204" pitchFamily="34" charset="0"/>
-              <a:cs typeface="Calibri" panose="020F0502020204030204" pitchFamily="34" charset="0"/>
-            </a:endParaRPr>
-          </a:p>
-          <a:p>
-            <a:pPr marL="342900" indent="-342900">
-              <a:lnSpc>
-                <a:spcPct val="100000"/>
-              </a:lnSpc>
-              <a:spcBef>
-                <a:spcPts val="0"/>
-              </a:spcBef>
-              <a:buFont typeface="Arial" panose="020B0604020202020204" pitchFamily="34" charset="0"/>
-              <a:buChar char="•"/>
-            </a:pPr>
-            <a:r>
-              <a:rPr lang="cs-CZ" sz="2400" dirty="0">
-                <a:latin typeface="Calibri" panose="020F0502020204030204" pitchFamily="34" charset="0"/>
-                <a:cs typeface="Calibri" panose="020F0502020204030204" pitchFamily="34" charset="0"/>
-              </a:rPr>
-              <a:t>Výpočet změny entropie</a:t>
-            </a:r>
-          </a:p>
-        </p:txBody>
-      </p:sp>
     </p:spTree>
     <p:extLst>
       <p:ext uri="{BB962C8B-B14F-4D97-AF65-F5344CB8AC3E}">
-        <p14:creationId xmlns:p14="http://schemas.microsoft.com/office/powerpoint/2010/main" val="1237246646"/>
+        <p14:creationId xmlns:p14="http://schemas.microsoft.com/office/powerpoint/2010/main" val="2671714331"/>
       </p:ext>
     </p:extLst>
   </p:cSld>
@@ -8782,27 +9532,38 @@
               <a:cs typeface="Calibri" panose="020F0502020204030204" pitchFamily="34" charset="0"/>
             </a:endParaRPr>
           </a:p>
-          <a:p>
-            <a:pPr marL="342900" indent="-342900">
-              <a:lnSpc>
-                <a:spcPct val="100000"/>
-              </a:lnSpc>
-              <a:spcBef>
-                <a:spcPts val="0"/>
-              </a:spcBef>
-              <a:buFont typeface="Arial" panose="020B0604020202020204" pitchFamily="34" charset="0"/>
-              <a:buChar char="•"/>
-            </a:pPr>
-            <a:r>
-              <a:rPr lang="cs-CZ" sz="2400" dirty="0">
-                <a:latin typeface="Calibri" panose="020F0502020204030204" pitchFamily="34" charset="0"/>
-                <a:cs typeface="Calibri" panose="020F0502020204030204" pitchFamily="34" charset="0"/>
-              </a:rPr>
-              <a:t>Výpočet změny entropie</a:t>
-            </a:r>
-          </a:p>
-        </p:txBody>
-      </p:sp>
+        </p:txBody>
+      </p:sp>
+      <p:pic>
+        <p:nvPicPr>
+          <p:cNvPr id="6" name="Picture 5">
+            <a:extLst>
+              <a:ext uri="{FF2B5EF4-FFF2-40B4-BE49-F238E27FC236}">
+                <a16:creationId xmlns:a16="http://schemas.microsoft.com/office/drawing/2014/main" id="{C092C353-0BE1-4ABF-8C51-E4CF1AF21D6C}"/>
+              </a:ext>
+            </a:extLst>
+          </p:cNvPr>
+          <p:cNvPicPr>
+            <a:picLocks noChangeAspect="1"/>
+          </p:cNvPicPr>
+          <p:nvPr/>
+        </p:nvPicPr>
+        <p:blipFill>
+          <a:blip r:embed="rId2"/>
+          <a:stretch>
+            <a:fillRect/>
+          </a:stretch>
+        </p:blipFill>
+        <p:spPr>
+          <a:xfrm>
+            <a:off x="944433" y="2030609"/>
+            <a:ext cx="10303133" cy="2796782"/>
+          </a:xfrm>
+          <a:prstGeom prst="rect">
+            <a:avLst/>
+          </a:prstGeom>
+        </p:spPr>
+      </p:pic>
     </p:spTree>
     <p:extLst>
       <p:ext uri="{BB962C8B-B14F-4D97-AF65-F5344CB8AC3E}">
@@ -9560,74 +10321,38 @@
               <a:t>Definice problému</a:t>
             </a:r>
           </a:p>
-          <a:p>
-            <a:pPr marL="342900" indent="-342900">
-              <a:lnSpc>
-                <a:spcPct val="100000"/>
-              </a:lnSpc>
-              <a:spcBef>
-                <a:spcPts val="0"/>
-              </a:spcBef>
-              <a:buFont typeface="Arial" panose="020B0604020202020204" pitchFamily="34" charset="0"/>
-              <a:buChar char="•"/>
-            </a:pPr>
-            <a:r>
-              <a:rPr lang="cs-CZ" sz="2400" dirty="0">
-                <a:latin typeface="Calibri" panose="020F0502020204030204" pitchFamily="34" charset="0"/>
-                <a:cs typeface="Calibri" panose="020F0502020204030204" pitchFamily="34" charset="0"/>
-              </a:rPr>
-              <a:t>Seznam webových stránek</a:t>
-            </a:r>
-          </a:p>
-          <a:p>
-            <a:pPr marL="342900" indent="-342900">
-              <a:lnSpc>
-                <a:spcPct val="100000"/>
-              </a:lnSpc>
-              <a:spcBef>
-                <a:spcPts val="0"/>
-              </a:spcBef>
-              <a:buFont typeface="Arial" panose="020B0604020202020204" pitchFamily="34" charset="0"/>
-              <a:buChar char="•"/>
-            </a:pPr>
-            <a:r>
-              <a:rPr lang="cs-CZ" sz="2400" dirty="0">
-                <a:latin typeface="Calibri" panose="020F0502020204030204" pitchFamily="34" charset="0"/>
-                <a:cs typeface="Calibri" panose="020F0502020204030204" pitchFamily="34" charset="0"/>
-              </a:rPr>
-              <a:t>Sofistikovanější přístup </a:t>
-            </a:r>
-            <a:r>
-              <a:rPr lang="en-US" sz="2400" dirty="0">
-                <a:latin typeface="Calibri" panose="020F0502020204030204" pitchFamily="34" charset="0"/>
-                <a:cs typeface="Calibri" panose="020F0502020204030204" pitchFamily="34" charset="0"/>
-              </a:rPr>
-              <a:t>-&gt; </a:t>
-            </a:r>
-            <a:r>
-              <a:rPr lang="en-US" sz="2400" b="1" dirty="0">
-                <a:latin typeface="Calibri" panose="020F0502020204030204" pitchFamily="34" charset="0"/>
-                <a:cs typeface="Calibri" panose="020F0502020204030204" pitchFamily="34" charset="0"/>
-              </a:rPr>
-              <a:t>F</a:t>
-            </a:r>
-            <a:r>
-              <a:rPr lang="cs-CZ" sz="2400" b="1" dirty="0" err="1">
-                <a:latin typeface="Calibri" panose="020F0502020204030204" pitchFamily="34" charset="0"/>
-                <a:cs typeface="Calibri" panose="020F0502020204030204" pitchFamily="34" charset="0"/>
-              </a:rPr>
-              <a:t>ulltextové</a:t>
-            </a:r>
-            <a:r>
-              <a:rPr lang="cs-CZ" sz="2400" b="1" dirty="0">
-                <a:latin typeface="Calibri" panose="020F0502020204030204" pitchFamily="34" charset="0"/>
-                <a:cs typeface="Calibri" panose="020F0502020204030204" pitchFamily="34" charset="0"/>
-              </a:rPr>
-              <a:t> vyhledávání na Internetu</a:t>
-            </a:r>
-          </a:p>
-        </p:txBody>
-      </p:sp>
+        </p:txBody>
+      </p:sp>
+      <p:pic>
+        <p:nvPicPr>
+          <p:cNvPr id="6" name="Picture 5">
+            <a:extLst>
+              <a:ext uri="{FF2B5EF4-FFF2-40B4-BE49-F238E27FC236}">
+                <a16:creationId xmlns:a16="http://schemas.microsoft.com/office/drawing/2014/main" id="{7EBFD916-6802-47F5-ADB4-DB631BF46487}"/>
+              </a:ext>
+            </a:extLst>
+          </p:cNvPr>
+          <p:cNvPicPr>
+            <a:picLocks noChangeAspect="1"/>
+          </p:cNvPicPr>
+          <p:nvPr/>
+        </p:nvPicPr>
+        <p:blipFill>
+          <a:blip r:embed="rId2"/>
+          <a:stretch>
+            <a:fillRect/>
+          </a:stretch>
+        </p:blipFill>
+        <p:spPr>
+          <a:xfrm>
+            <a:off x="1462638" y="3023297"/>
+            <a:ext cx="9266723" cy="1539373"/>
+          </a:xfrm>
+          <a:prstGeom prst="rect">
+            <a:avLst/>
+          </a:prstGeom>
+        </p:spPr>
+      </p:pic>
     </p:spTree>
     <p:extLst>
       <p:ext uri="{BB962C8B-B14F-4D97-AF65-F5344CB8AC3E}">
@@ -9867,57 +10592,6 @@
               <a:t>Vytvoření nové zprávy</a:t>
             </a:r>
           </a:p>
-          <a:p>
-            <a:pPr marL="342900" indent="-342900">
-              <a:lnSpc>
-                <a:spcPct val="100000"/>
-              </a:lnSpc>
-              <a:spcBef>
-                <a:spcPts val="0"/>
-              </a:spcBef>
-              <a:buFont typeface="Arial" panose="020B0604020202020204" pitchFamily="34" charset="0"/>
-              <a:buChar char="•"/>
-            </a:pPr>
-            <a:endParaRPr lang="cs-CZ" sz="2400" dirty="0">
-              <a:latin typeface="Calibri" panose="020F0502020204030204" pitchFamily="34" charset="0"/>
-              <a:cs typeface="Calibri" panose="020F0502020204030204" pitchFamily="34" charset="0"/>
-            </a:endParaRPr>
-          </a:p>
-          <a:p>
-            <a:pPr marL="342900" indent="-342900">
-              <a:lnSpc>
-                <a:spcPct val="100000"/>
-              </a:lnSpc>
-              <a:spcBef>
-                <a:spcPts val="0"/>
-              </a:spcBef>
-              <a:buFont typeface="Arial" panose="020B0604020202020204" pitchFamily="34" charset="0"/>
-              <a:buChar char="•"/>
-            </a:pPr>
-            <a:endParaRPr lang="cs-CZ" sz="2400" dirty="0">
-              <a:latin typeface="Calibri" panose="020F0502020204030204" pitchFamily="34" charset="0"/>
-              <a:cs typeface="Calibri" panose="020F0502020204030204" pitchFamily="34" charset="0"/>
-            </a:endParaRPr>
-          </a:p>
-          <a:p>
-            <a:pPr marL="342900" indent="-342900">
-              <a:lnSpc>
-                <a:spcPct val="100000"/>
-              </a:lnSpc>
-              <a:spcBef>
-                <a:spcPts val="0"/>
-              </a:spcBef>
-              <a:buFont typeface="Arial" panose="020B0604020202020204" pitchFamily="34" charset="0"/>
-              <a:buChar char="•"/>
-            </a:pPr>
-            <a:r>
-              <a:rPr lang="cs-CZ" sz="2400" dirty="0">
-                <a:latin typeface="Calibri" panose="020F0502020204030204" pitchFamily="34" charset="0"/>
-                <a:cs typeface="Calibri" panose="020F0502020204030204" pitchFamily="34" charset="0"/>
-              </a:rPr>
-              <a:t>TODO: diagram?</a:t>
-            </a:r>
-          </a:p>
         </p:txBody>
       </p:sp>
     </p:spTree>
@@ -10061,7 +10735,7 @@
                 <a:latin typeface="Calibri" panose="020F0502020204030204" pitchFamily="34" charset="0"/>
                 <a:cs typeface="Calibri" panose="020F0502020204030204" pitchFamily="34" charset="0"/>
               </a:rPr>
-              <a:t>Nalezení všech k-gramů</a:t>
+              <a:t>Slovník</a:t>
             </a:r>
           </a:p>
           <a:p>
@@ -10076,12 +10750,16 @@
               <a:buChar char="•"/>
             </a:pPr>
             <a:r>
-              <a:rPr lang="cs-CZ" sz="2400" dirty="0">
+              <a:rPr lang="cs-CZ" sz="2400" dirty="0" err="1">
                 <a:latin typeface="Calibri" panose="020F0502020204030204" pitchFamily="34" charset="0"/>
                 <a:cs typeface="Calibri" panose="020F0502020204030204" pitchFamily="34" charset="0"/>
               </a:rPr>
-              <a:t>Výpočet změny entropie</a:t>
-            </a:r>
+              <a:t>Bigram</a:t>
+            </a:r>
+            <a:endParaRPr lang="cs-CZ" sz="2400" dirty="0">
+              <a:latin typeface="Calibri" panose="020F0502020204030204" pitchFamily="34" charset="0"/>
+              <a:cs typeface="Calibri" panose="020F0502020204030204" pitchFamily="34" charset="0"/>
+            </a:endParaRPr>
           </a:p>
           <a:p>
             <a:pPr marL="342900" indent="-342900">
@@ -10099,64 +10777,7 @@
                 <a:latin typeface="Calibri" panose="020F0502020204030204" pitchFamily="34" charset="0"/>
                 <a:cs typeface="Calibri" panose="020F0502020204030204" pitchFamily="34" charset="0"/>
               </a:rPr>
-              <a:t>Výběr k-gramu</a:t>
-            </a:r>
-          </a:p>
-          <a:p>
-            <a:pPr marL="342900" indent="-342900">
-              <a:lnSpc>
-                <a:spcPct val="100000"/>
-              </a:lnSpc>
-              <a:spcBef>
-                <a:spcPts val="0"/>
-              </a:spcBef>
-              <a:buFont typeface="Arial" panose="020B0604020202020204" pitchFamily="34" charset="0"/>
-              <a:buChar char="•"/>
-            </a:pPr>
-            <a:r>
-              <a:rPr lang="cs-CZ" sz="2400" dirty="0">
-                <a:latin typeface="Calibri" panose="020F0502020204030204" pitchFamily="34" charset="0"/>
-                <a:cs typeface="Calibri" panose="020F0502020204030204" pitchFamily="34" charset="0"/>
-              </a:rPr>
-              <a:t>Vygenerování nového znaku</a:t>
-            </a:r>
-          </a:p>
-          <a:p>
-            <a:pPr marL="342900" indent="-342900">
-              <a:lnSpc>
-                <a:spcPct val="100000"/>
-              </a:lnSpc>
-              <a:spcBef>
-                <a:spcPts val="0"/>
-              </a:spcBef>
-              <a:buFont typeface="Arial" panose="020B0604020202020204" pitchFamily="34" charset="0"/>
-              <a:buChar char="•"/>
-            </a:pPr>
-            <a:r>
-              <a:rPr lang="cs-CZ" sz="2400" dirty="0">
-                <a:latin typeface="Calibri" panose="020F0502020204030204" pitchFamily="34" charset="0"/>
-                <a:cs typeface="Calibri" panose="020F0502020204030204" pitchFamily="34" charset="0"/>
-              </a:rPr>
-              <a:t>Vytvoření pravidla</a:t>
-            </a:r>
-          </a:p>
-          <a:p>
-            <a:pPr marL="342900" indent="-342900">
-              <a:lnSpc>
-                <a:spcPct val="100000"/>
-              </a:lnSpc>
-              <a:spcBef>
-                <a:spcPts val="0"/>
-              </a:spcBef>
-              <a:buFont typeface="Arial" panose="020B0604020202020204" pitchFamily="34" charset="0"/>
-              <a:buChar char="•"/>
-            </a:pPr>
-            <a:r>
-              <a:rPr lang="cs-CZ" sz="2400" dirty="0">
-                <a:latin typeface="Calibri" panose="020F0502020204030204" pitchFamily="34" charset="0"/>
-                <a:cs typeface="Calibri" panose="020F0502020204030204" pitchFamily="34" charset="0"/>
-              </a:rPr>
-              <a:t>Vytvoření nové zprávy</a:t>
+              <a:t>Výpočet v každé iteraci</a:t>
             </a:r>
           </a:p>
           <a:p>
@@ -10186,10 +10807,20 @@
               <a:buFont typeface="Arial" panose="020B0604020202020204" pitchFamily="34" charset="0"/>
               <a:buChar char="•"/>
             </a:pPr>
-            <a:endParaRPr lang="cs-CZ" sz="2400" dirty="0">
-              <a:latin typeface="Calibri" panose="020F0502020204030204" pitchFamily="34" charset="0"/>
-              <a:cs typeface="Calibri" panose="020F0502020204030204" pitchFamily="34" charset="0"/>
-            </a:endParaRPr>
+            <a:r>
+              <a:rPr lang="cs-CZ" sz="2400" b="1" i="1" dirty="0" err="1">
+                <a:latin typeface="Calibri" panose="020F0502020204030204" pitchFamily="34" charset="0"/>
+                <a:cs typeface="Calibri" panose="020F0502020204030204" pitchFamily="34" charset="0"/>
+              </a:rPr>
+              <a:t>Bigram:počet</a:t>
+            </a:r>
+            <a:r>
+              <a:rPr lang="cs-CZ" sz="2400" b="1" i="1" dirty="0">
+                <a:latin typeface="Calibri" panose="020F0502020204030204" pitchFamily="34" charset="0"/>
+                <a:cs typeface="Calibri" panose="020F0502020204030204" pitchFamily="34" charset="0"/>
+              </a:rPr>
+              <a:t> výskytů</a:t>
+            </a:r>
           </a:p>
           <a:p>
             <a:pPr marL="342900" indent="-342900">
@@ -10202,16 +10833,43 @@
               <a:buFont typeface="Arial" panose="020B0604020202020204" pitchFamily="34" charset="0"/>
               <a:buChar char="•"/>
             </a:pPr>
-            <a:r>
-              <a:rPr lang="cs-CZ" sz="2400" dirty="0">
-                <a:latin typeface="Calibri" panose="020F0502020204030204" pitchFamily="34" charset="0"/>
-                <a:cs typeface="Calibri" panose="020F0502020204030204" pitchFamily="34" charset="0"/>
-              </a:rPr>
-              <a:t>TODO: diagram?</a:t>
-            </a:r>
-          </a:p>
-        </p:txBody>
-      </p:sp>
+            <a:endParaRPr lang="cs-CZ" sz="2400" dirty="0">
+              <a:latin typeface="Calibri" panose="020F0502020204030204" pitchFamily="34" charset="0"/>
+              <a:cs typeface="Calibri" panose="020F0502020204030204" pitchFamily="34" charset="0"/>
+            </a:endParaRPr>
+          </a:p>
+        </p:txBody>
+      </p:sp>
+      <p:pic>
+        <p:nvPicPr>
+          <p:cNvPr id="6" name="Picture 5">
+            <a:extLst>
+              <a:ext uri="{FF2B5EF4-FFF2-40B4-BE49-F238E27FC236}">
+                <a16:creationId xmlns:a16="http://schemas.microsoft.com/office/drawing/2014/main" id="{51FDDEA2-ED01-4BEA-A95E-BAF10797C261}"/>
+              </a:ext>
+            </a:extLst>
+          </p:cNvPr>
+          <p:cNvPicPr>
+            <a:picLocks noChangeAspect="1"/>
+          </p:cNvPicPr>
+          <p:nvPr/>
+        </p:nvPicPr>
+        <p:blipFill>
+          <a:blip r:embed="rId2"/>
+          <a:stretch>
+            <a:fillRect/>
+          </a:stretch>
+        </p:blipFill>
+        <p:spPr>
+          <a:xfrm>
+            <a:off x="4986524" y="2879022"/>
+            <a:ext cx="6569009" cy="1531753"/>
+          </a:xfrm>
+          <a:prstGeom prst="rect">
+            <a:avLst/>
+          </a:prstGeom>
+        </p:spPr>
+      </p:pic>
     </p:spTree>
     <p:extLst>
       <p:ext uri="{BB962C8B-B14F-4D97-AF65-F5344CB8AC3E}">
@@ -10353,7 +11011,21 @@
                 <a:latin typeface="Calibri" panose="020F0502020204030204" pitchFamily="34" charset="0"/>
                 <a:cs typeface="Calibri" panose="020F0502020204030204" pitchFamily="34" charset="0"/>
               </a:rPr>
-              <a:t>Nalezení všech k-gramů</a:t>
+              <a:t>Vypočet dle </a:t>
+            </a:r>
+            <a:r>
+              <a:rPr lang="cs-CZ" sz="2400" dirty="0" err="1">
+                <a:latin typeface="Calibri" panose="020F0502020204030204" pitchFamily="34" charset="0"/>
+                <a:cs typeface="Calibri" panose="020F0502020204030204" pitchFamily="34" charset="0"/>
+              </a:rPr>
+              <a:t>shannovského</a:t>
+            </a:r>
+            <a:r>
+              <a:rPr lang="cs-CZ" sz="2400" dirty="0">
+                <a:latin typeface="Calibri" panose="020F0502020204030204" pitchFamily="34" charset="0"/>
+                <a:cs typeface="Calibri" panose="020F0502020204030204" pitchFamily="34" charset="0"/>
+              </a:rPr>
+              <a:t> vzorce</a:t>
             </a:r>
           </a:p>
           <a:p>
@@ -10372,83 +11044,7 @@
                 <a:latin typeface="Calibri" panose="020F0502020204030204" pitchFamily="34" charset="0"/>
                 <a:cs typeface="Calibri" panose="020F0502020204030204" pitchFamily="34" charset="0"/>
               </a:rPr>
-              <a:t>Výpočet změny entropie</a:t>
-            </a:r>
-          </a:p>
-          <a:p>
-            <a:pPr marL="342900" indent="-342900">
-              <a:lnSpc>
-                <a:spcPct val="100000"/>
-              </a:lnSpc>
-              <a:spcBef>
-                <a:spcPts val="0"/>
-              </a:spcBef>
-              <a:buFont typeface="Arial" panose="020B0604020202020204" pitchFamily="34" charset="0"/>
-              <a:buChar char="•"/>
-            </a:pPr>
-            <a:r>
-              <a:rPr lang="cs-CZ" sz="2400" dirty="0">
-                <a:latin typeface="Calibri" panose="020F0502020204030204" pitchFamily="34" charset="0"/>
-                <a:cs typeface="Calibri" panose="020F0502020204030204" pitchFamily="34" charset="0"/>
-              </a:rPr>
-              <a:t>Výběr k-gramu</a:t>
-            </a:r>
-          </a:p>
-          <a:p>
-            <a:pPr marL="342900" indent="-342900">
-              <a:lnSpc>
-                <a:spcPct val="100000"/>
-              </a:lnSpc>
-              <a:spcBef>
-                <a:spcPts val="0"/>
-              </a:spcBef>
-              <a:buFont typeface="Arial" panose="020B0604020202020204" pitchFamily="34" charset="0"/>
-              <a:buChar char="•"/>
-            </a:pPr>
-            <a:r>
-              <a:rPr lang="cs-CZ" sz="2400" dirty="0">
-                <a:latin typeface="Calibri" panose="020F0502020204030204" pitchFamily="34" charset="0"/>
-                <a:cs typeface="Calibri" panose="020F0502020204030204" pitchFamily="34" charset="0"/>
-              </a:rPr>
-              <a:t>Vygenerování nového znaku</a:t>
-            </a:r>
-          </a:p>
-          <a:p>
-            <a:pPr marL="342900" indent="-342900">
-              <a:lnSpc>
-                <a:spcPct val="100000"/>
-              </a:lnSpc>
-              <a:spcBef>
-                <a:spcPts val="0"/>
-              </a:spcBef>
-              <a:buFont typeface="Arial" panose="020B0604020202020204" pitchFamily="34" charset="0"/>
-              <a:buChar char="•"/>
-            </a:pPr>
-            <a:r>
-              <a:rPr lang="cs-CZ" sz="2400" dirty="0">
-                <a:latin typeface="Calibri" panose="020F0502020204030204" pitchFamily="34" charset="0"/>
-                <a:cs typeface="Calibri" panose="020F0502020204030204" pitchFamily="34" charset="0"/>
-              </a:rPr>
-              <a:t>Vytvoření pravidla</a:t>
-            </a:r>
-          </a:p>
-          <a:p>
-            <a:pPr marL="342900" indent="-342900">
-              <a:lnSpc>
-                <a:spcPct val="100000"/>
-              </a:lnSpc>
-              <a:spcBef>
-                <a:spcPts val="0"/>
-              </a:spcBef>
-              <a:buFont typeface="Arial" panose="020B0604020202020204" pitchFamily="34" charset="0"/>
-              <a:buChar char="•"/>
-            </a:pPr>
-            <a:r>
-              <a:rPr lang="cs-CZ" sz="2400" dirty="0">
-                <a:latin typeface="Calibri" panose="020F0502020204030204" pitchFamily="34" charset="0"/>
-                <a:cs typeface="Calibri" panose="020F0502020204030204" pitchFamily="34" charset="0"/>
-              </a:rPr>
-              <a:t>Vytvoření nové zprávy</a:t>
+              <a:t>Využití definovaného vzorce</a:t>
             </a:r>
           </a:p>
           <a:p>
@@ -10494,16 +11090,73 @@
               <a:buFont typeface="Arial" panose="020B0604020202020204" pitchFamily="34" charset="0"/>
               <a:buChar char="•"/>
             </a:pPr>
-            <a:r>
-              <a:rPr lang="cs-CZ" sz="2400" dirty="0">
-                <a:latin typeface="Calibri" panose="020F0502020204030204" pitchFamily="34" charset="0"/>
-                <a:cs typeface="Calibri" panose="020F0502020204030204" pitchFamily="34" charset="0"/>
-              </a:rPr>
-              <a:t>TODO: diagram?</a:t>
-            </a:r>
-          </a:p>
-        </p:txBody>
-      </p:sp>
+            <a:endParaRPr lang="cs-CZ" sz="2400" dirty="0">
+              <a:latin typeface="Calibri" panose="020F0502020204030204" pitchFamily="34" charset="0"/>
+              <a:cs typeface="Calibri" panose="020F0502020204030204" pitchFamily="34" charset="0"/>
+            </a:endParaRPr>
+          </a:p>
+        </p:txBody>
+      </p:sp>
+      <p:pic>
+        <p:nvPicPr>
+          <p:cNvPr id="6" name="Picture 5">
+            <a:extLst>
+              <a:ext uri="{FF2B5EF4-FFF2-40B4-BE49-F238E27FC236}">
+                <a16:creationId xmlns:a16="http://schemas.microsoft.com/office/drawing/2014/main" id="{7EFBD5A6-4228-4423-9A60-877246FB2FB3}"/>
+              </a:ext>
+            </a:extLst>
+          </p:cNvPr>
+          <p:cNvPicPr>
+            <a:picLocks noChangeAspect="1"/>
+          </p:cNvPicPr>
+          <p:nvPr/>
+        </p:nvPicPr>
+        <p:blipFill>
+          <a:blip r:embed="rId2"/>
+          <a:stretch>
+            <a:fillRect/>
+          </a:stretch>
+        </p:blipFill>
+        <p:spPr>
+          <a:xfrm>
+            <a:off x="5384800" y="1514990"/>
+            <a:ext cx="5891822" cy="3828020"/>
+          </a:xfrm>
+          <a:prstGeom prst="rect">
+            <a:avLst/>
+          </a:prstGeom>
+        </p:spPr>
+      </p:pic>
+      <p:pic>
+        <p:nvPicPr>
+          <p:cNvPr id="8" name="Picture 7">
+            <a:extLst>
+              <a:ext uri="{FF2B5EF4-FFF2-40B4-BE49-F238E27FC236}">
+                <a16:creationId xmlns:a16="http://schemas.microsoft.com/office/drawing/2014/main" id="{8CE368DE-139E-4875-87C2-F6613E3AD9AB}"/>
+              </a:ext>
+            </a:extLst>
+          </p:cNvPr>
+          <p:cNvPicPr>
+            <a:picLocks noChangeAspect="1"/>
+          </p:cNvPicPr>
+          <p:nvPr/>
+        </p:nvPicPr>
+        <p:blipFill>
+          <a:blip r:embed="rId3"/>
+          <a:stretch>
+            <a:fillRect/>
+          </a:stretch>
+        </p:blipFill>
+        <p:spPr>
+          <a:xfrm>
+            <a:off x="887459" y="2956363"/>
+            <a:ext cx="4497341" cy="1377071"/>
+          </a:xfrm>
+          <a:prstGeom prst="rect">
+            <a:avLst/>
+          </a:prstGeom>
+        </p:spPr>
+      </p:pic>
     </p:spTree>
     <p:extLst>
       <p:ext uri="{BB962C8B-B14F-4D97-AF65-F5344CB8AC3E}">
@@ -10645,7 +11298,7 @@
                 <a:latin typeface="Calibri" panose="020F0502020204030204" pitchFamily="34" charset="0"/>
                 <a:cs typeface="Calibri" panose="020F0502020204030204" pitchFamily="34" charset="0"/>
               </a:rPr>
-              <a:t>Nalezení všech k-gramů</a:t>
+              <a:t>Největší</a:t>
             </a:r>
           </a:p>
           <a:p>
@@ -10664,83 +11317,7 @@
                 <a:latin typeface="Calibri" panose="020F0502020204030204" pitchFamily="34" charset="0"/>
                 <a:cs typeface="Calibri" panose="020F0502020204030204" pitchFamily="34" charset="0"/>
               </a:rPr>
-              <a:t>Výpočet změny entropie</a:t>
-            </a:r>
-          </a:p>
-          <a:p>
-            <a:pPr marL="342900" indent="-342900">
-              <a:lnSpc>
-                <a:spcPct val="100000"/>
-              </a:lnSpc>
-              <a:spcBef>
-                <a:spcPts val="0"/>
-              </a:spcBef>
-              <a:buFont typeface="Arial" panose="020B0604020202020204" pitchFamily="34" charset="0"/>
-              <a:buChar char="•"/>
-            </a:pPr>
-            <a:r>
-              <a:rPr lang="cs-CZ" sz="2400" dirty="0">
-                <a:latin typeface="Calibri" panose="020F0502020204030204" pitchFamily="34" charset="0"/>
-                <a:cs typeface="Calibri" panose="020F0502020204030204" pitchFamily="34" charset="0"/>
-              </a:rPr>
-              <a:t>Výběr k-gramu</a:t>
-            </a:r>
-          </a:p>
-          <a:p>
-            <a:pPr marL="342900" indent="-342900">
-              <a:lnSpc>
-                <a:spcPct val="100000"/>
-              </a:lnSpc>
-              <a:spcBef>
-                <a:spcPts val="0"/>
-              </a:spcBef>
-              <a:buFont typeface="Arial" panose="020B0604020202020204" pitchFamily="34" charset="0"/>
-              <a:buChar char="•"/>
-            </a:pPr>
-            <a:r>
-              <a:rPr lang="cs-CZ" sz="2400" dirty="0">
-                <a:latin typeface="Calibri" panose="020F0502020204030204" pitchFamily="34" charset="0"/>
-                <a:cs typeface="Calibri" panose="020F0502020204030204" pitchFamily="34" charset="0"/>
-              </a:rPr>
-              <a:t>Vygenerování nového znaku</a:t>
-            </a:r>
-          </a:p>
-          <a:p>
-            <a:pPr marL="342900" indent="-342900">
-              <a:lnSpc>
-                <a:spcPct val="100000"/>
-              </a:lnSpc>
-              <a:spcBef>
-                <a:spcPts val="0"/>
-              </a:spcBef>
-              <a:buFont typeface="Arial" panose="020B0604020202020204" pitchFamily="34" charset="0"/>
-              <a:buChar char="•"/>
-            </a:pPr>
-            <a:r>
-              <a:rPr lang="cs-CZ" sz="2400" dirty="0">
-                <a:latin typeface="Calibri" panose="020F0502020204030204" pitchFamily="34" charset="0"/>
-                <a:cs typeface="Calibri" panose="020F0502020204030204" pitchFamily="34" charset="0"/>
-              </a:rPr>
-              <a:t>Vytvoření pravidla</a:t>
-            </a:r>
-          </a:p>
-          <a:p>
-            <a:pPr marL="342900" indent="-342900">
-              <a:lnSpc>
-                <a:spcPct val="100000"/>
-              </a:lnSpc>
-              <a:spcBef>
-                <a:spcPts val="0"/>
-              </a:spcBef>
-              <a:buFont typeface="Arial" panose="020B0604020202020204" pitchFamily="34" charset="0"/>
-              <a:buChar char="•"/>
-            </a:pPr>
-            <a:r>
-              <a:rPr lang="cs-CZ" sz="2400" dirty="0">
-                <a:latin typeface="Calibri" panose="020F0502020204030204" pitchFamily="34" charset="0"/>
-                <a:cs typeface="Calibri" panose="020F0502020204030204" pitchFamily="34" charset="0"/>
-              </a:rPr>
-              <a:t>Vytvoření nové zprávy</a:t>
+              <a:t>Náhodný</a:t>
             </a:r>
           </a:p>
           <a:p>
@@ -10770,7 +11347,14 @@
               <a:buFont typeface="Arial" panose="020B0604020202020204" pitchFamily="34" charset="0"/>
               <a:buChar char="•"/>
             </a:pPr>
-            <a:endParaRPr lang="cs-CZ" sz="2400" dirty="0">
+            <a:r>
+              <a:rPr lang="en-US" sz="2400" b="1" dirty="0">
+                <a:latin typeface="Calibri" panose="020F0502020204030204" pitchFamily="34" charset="0"/>
+                <a:cs typeface="Calibri" panose="020F0502020204030204" pitchFamily="34" charset="0"/>
+              </a:rPr>
+              <a:t>|m|*Hm</a:t>
+            </a:r>
+            <a:endParaRPr lang="cs-CZ" sz="2400" b="1" dirty="0">
               <a:latin typeface="Calibri" panose="020F0502020204030204" pitchFamily="34" charset="0"/>
               <a:cs typeface="Calibri" panose="020F0502020204030204" pitchFamily="34" charset="0"/>
             </a:endParaRPr>
@@ -10786,16 +11370,43 @@
               <a:buFont typeface="Arial" panose="020B0604020202020204" pitchFamily="34" charset="0"/>
               <a:buChar char="•"/>
             </a:pPr>
-            <a:r>
-              <a:rPr lang="cs-CZ" sz="2400" dirty="0">
-                <a:latin typeface="Calibri" panose="020F0502020204030204" pitchFamily="34" charset="0"/>
-                <a:cs typeface="Calibri" panose="020F0502020204030204" pitchFamily="34" charset="0"/>
-              </a:rPr>
-              <a:t>TODO: diagram?</a:t>
-            </a:r>
-          </a:p>
-        </p:txBody>
-      </p:sp>
+            <a:endParaRPr lang="cs-CZ" sz="2400" dirty="0">
+              <a:latin typeface="Calibri" panose="020F0502020204030204" pitchFamily="34" charset="0"/>
+              <a:cs typeface="Calibri" panose="020F0502020204030204" pitchFamily="34" charset="0"/>
+            </a:endParaRPr>
+          </a:p>
+        </p:txBody>
+      </p:sp>
+      <p:pic>
+        <p:nvPicPr>
+          <p:cNvPr id="6" name="Picture 5">
+            <a:extLst>
+              <a:ext uri="{FF2B5EF4-FFF2-40B4-BE49-F238E27FC236}">
+                <a16:creationId xmlns:a16="http://schemas.microsoft.com/office/drawing/2014/main" id="{DCEB7991-D0AC-4DA4-B464-22CC2FD26B79}"/>
+              </a:ext>
+            </a:extLst>
+          </p:cNvPr>
+          <p:cNvPicPr>
+            <a:picLocks noChangeAspect="1"/>
+          </p:cNvPicPr>
+          <p:nvPr/>
+        </p:nvPicPr>
+        <p:blipFill>
+          <a:blip r:embed="rId2"/>
+          <a:stretch>
+            <a:fillRect/>
+          </a:stretch>
+        </p:blipFill>
+        <p:spPr>
+          <a:xfrm>
+            <a:off x="7547522" y="1263442"/>
+            <a:ext cx="2034716" cy="4762913"/>
+          </a:xfrm>
+          <a:prstGeom prst="rect">
+            <a:avLst/>
+          </a:prstGeom>
+        </p:spPr>
+      </p:pic>
     </p:spTree>
     <p:extLst>
       <p:ext uri="{BB962C8B-B14F-4D97-AF65-F5344CB8AC3E}">
@@ -10933,12 +11544,64 @@
               <a:buChar char="•"/>
             </a:pPr>
             <a:r>
-              <a:rPr lang="cs-CZ" sz="2400" dirty="0">
+              <a:rPr lang="en-US" sz="2400" dirty="0">
                 <a:latin typeface="Calibri" panose="020F0502020204030204" pitchFamily="34" charset="0"/>
                 <a:cs typeface="Calibri" panose="020F0502020204030204" pitchFamily="34" charset="0"/>
               </a:rPr>
-              <a:t>Nalezení všech k-gramů</a:t>
-            </a:r>
+              <a:t>ASCII</a:t>
+            </a:r>
+          </a:p>
+          <a:p>
+            <a:pPr marL="1028700" lvl="1" indent="-342900">
+              <a:lnSpc>
+                <a:spcPct val="100000"/>
+              </a:lnSpc>
+              <a:spcBef>
+                <a:spcPts val="0"/>
+              </a:spcBef>
+            </a:pPr>
+            <a:r>
+              <a:rPr lang="en-US" sz="2200" dirty="0">
+                <a:latin typeface="Calibri" panose="020F0502020204030204" pitchFamily="34" charset="0"/>
+                <a:cs typeface="Calibri" panose="020F0502020204030204" pitchFamily="34" charset="0"/>
+              </a:rPr>
+              <a:t>256</a:t>
+            </a:r>
+          </a:p>
+          <a:p>
+            <a:pPr marL="1028700" lvl="1" indent="-342900">
+              <a:lnSpc>
+                <a:spcPct val="100000"/>
+              </a:lnSpc>
+              <a:spcBef>
+                <a:spcPts val="0"/>
+              </a:spcBef>
+            </a:pPr>
+            <a:r>
+              <a:rPr lang="en-US" sz="2200" dirty="0" err="1">
+                <a:latin typeface="Calibri" panose="020F0502020204030204" pitchFamily="34" charset="0"/>
+                <a:cs typeface="Calibri" panose="020F0502020204030204" pitchFamily="34" charset="0"/>
+              </a:rPr>
+              <a:t>Nedostate</a:t>
+            </a:r>
+            <a:r>
+              <a:rPr lang="cs-CZ" sz="2200" dirty="0" err="1">
+                <a:latin typeface="Calibri" panose="020F0502020204030204" pitchFamily="34" charset="0"/>
+                <a:cs typeface="Calibri" panose="020F0502020204030204" pitchFamily="34" charset="0"/>
+              </a:rPr>
+              <a:t>čné</a:t>
+            </a:r>
+            <a:r>
+              <a:rPr lang="cs-CZ" sz="2200" dirty="0">
+                <a:latin typeface="Calibri" panose="020F0502020204030204" pitchFamily="34" charset="0"/>
+                <a:cs typeface="Calibri" panose="020F0502020204030204" pitchFamily="34" charset="0"/>
+              </a:rPr>
+              <a:t> množství symbolů</a:t>
+            </a:r>
+            <a:endParaRPr lang="en-US" sz="2200" dirty="0">
+              <a:latin typeface="Calibri" panose="020F0502020204030204" pitchFamily="34" charset="0"/>
+              <a:cs typeface="Calibri" panose="020F0502020204030204" pitchFamily="34" charset="0"/>
+            </a:endParaRPr>
           </a:p>
           <a:p>
             <a:pPr marL="342900" indent="-342900">
@@ -10952,153 +11615,63 @@
               <a:buChar char="•"/>
             </a:pPr>
             <a:r>
-              <a:rPr lang="cs-CZ" sz="2400" dirty="0">
+              <a:rPr lang="en-US" sz="2400" dirty="0">
                 <a:latin typeface="Calibri" panose="020F0502020204030204" pitchFamily="34" charset="0"/>
                 <a:cs typeface="Calibri" panose="020F0502020204030204" pitchFamily="34" charset="0"/>
               </a:rPr>
-              <a:t>Výpočet změny entropie</a:t>
-            </a:r>
-          </a:p>
-          <a:p>
-            <a:pPr marL="342900" indent="-342900">
+              <a:t>Unicode</a:t>
+            </a:r>
+            <a:endParaRPr lang="cs-CZ" sz="2400" dirty="0">
+              <a:latin typeface="Calibri" panose="020F0502020204030204" pitchFamily="34" charset="0"/>
+              <a:cs typeface="Calibri" panose="020F0502020204030204" pitchFamily="34" charset="0"/>
+            </a:endParaRPr>
+          </a:p>
+          <a:p>
+            <a:pPr>
               <a:lnSpc>
                 <a:spcPct val="100000"/>
               </a:lnSpc>
               <a:spcBef>
                 <a:spcPts val="0"/>
               </a:spcBef>
-              <a:buFont typeface="Arial" panose="020B0604020202020204" pitchFamily="34" charset="0"/>
-              <a:buChar char="•"/>
-            </a:pPr>
-            <a:r>
-              <a:rPr lang="cs-CZ" sz="2400" dirty="0">
-                <a:latin typeface="Calibri" panose="020F0502020204030204" pitchFamily="34" charset="0"/>
-                <a:cs typeface="Calibri" panose="020F0502020204030204" pitchFamily="34" charset="0"/>
-              </a:rPr>
-              <a:t>Výběr k-gramu</a:t>
-            </a:r>
-          </a:p>
-          <a:p>
-            <a:pPr marL="342900" indent="-342900">
-              <a:lnSpc>
-                <a:spcPct val="100000"/>
-              </a:lnSpc>
-              <a:spcBef>
-                <a:spcPts val="0"/>
-              </a:spcBef>
-              <a:buFont typeface="Arial" panose="020B0604020202020204" pitchFamily="34" charset="0"/>
-              <a:buChar char="•"/>
-            </a:pPr>
-            <a:r>
-              <a:rPr lang="cs-CZ" sz="2400" dirty="0">
-                <a:latin typeface="Calibri" panose="020F0502020204030204" pitchFamily="34" charset="0"/>
-                <a:cs typeface="Calibri" panose="020F0502020204030204" pitchFamily="34" charset="0"/>
-              </a:rPr>
-              <a:t>Vygenerování nového znaku</a:t>
-            </a:r>
-          </a:p>
-          <a:p>
-            <a:pPr marL="342900" indent="-342900">
-              <a:lnSpc>
-                <a:spcPct val="100000"/>
-              </a:lnSpc>
-              <a:spcBef>
-                <a:spcPts val="0"/>
-              </a:spcBef>
-              <a:buFont typeface="Arial" panose="020B0604020202020204" pitchFamily="34" charset="0"/>
-              <a:buChar char="•"/>
-            </a:pPr>
-            <a:r>
-              <a:rPr lang="cs-CZ" sz="2400" dirty="0">
-                <a:latin typeface="Calibri" panose="020F0502020204030204" pitchFamily="34" charset="0"/>
-                <a:cs typeface="Calibri" panose="020F0502020204030204" pitchFamily="34" charset="0"/>
-              </a:rPr>
-              <a:t>Vytvoření pravidla</a:t>
-            </a:r>
-          </a:p>
-          <a:p>
-            <a:pPr marL="342900" indent="-342900">
-              <a:lnSpc>
-                <a:spcPct val="100000"/>
-              </a:lnSpc>
-              <a:spcBef>
-                <a:spcPts val="0"/>
-              </a:spcBef>
-              <a:buFont typeface="Arial" panose="020B0604020202020204" pitchFamily="34" charset="0"/>
-              <a:buChar char="•"/>
-            </a:pPr>
-            <a:r>
-              <a:rPr lang="cs-CZ" sz="2400" dirty="0">
-                <a:latin typeface="Calibri" panose="020F0502020204030204" pitchFamily="34" charset="0"/>
-                <a:cs typeface="Calibri" panose="020F0502020204030204" pitchFamily="34" charset="0"/>
-              </a:rPr>
-              <a:t>Vytvoření nové zprávy</a:t>
-            </a:r>
-          </a:p>
-          <a:p>
-            <a:pPr marL="342900" indent="-342900">
-              <a:lnSpc>
-                <a:spcPct val="100000"/>
-              </a:lnSpc>
-              <a:spcBef>
-                <a:spcPts val="0"/>
-              </a:spcBef>
-              <a:buFont typeface="Arial" panose="020B0604020202020204" pitchFamily="34" charset="0"/>
-              <a:buChar char="•"/>
             </a:pPr>
             <a:endParaRPr lang="cs-CZ" sz="2400" dirty="0">
               <a:latin typeface="Calibri" panose="020F0502020204030204" pitchFamily="34" charset="0"/>
               <a:cs typeface="Calibri" panose="020F0502020204030204" pitchFamily="34" charset="0"/>
             </a:endParaRPr>
           </a:p>
-          <a:p>
-            <a:pPr marL="342900" indent="-342900">
-              <a:lnSpc>
-                <a:spcPct val="100000"/>
-              </a:lnSpc>
-              <a:spcBef>
-                <a:spcPts val="0"/>
-              </a:spcBef>
-              <a:buFont typeface="Arial" panose="020B0604020202020204" pitchFamily="34" charset="0"/>
-              <a:buChar char="•"/>
-            </a:pPr>
-            <a:endParaRPr lang="cs-CZ" sz="2400" dirty="0">
-              <a:latin typeface="Calibri" panose="020F0502020204030204" pitchFamily="34" charset="0"/>
-              <a:cs typeface="Calibri" panose="020F0502020204030204" pitchFamily="34" charset="0"/>
-            </a:endParaRPr>
-          </a:p>
-          <a:p>
-            <a:pPr marL="342900" indent="-342900">
-              <a:lnSpc>
-                <a:spcPct val="100000"/>
-              </a:lnSpc>
-              <a:spcBef>
-                <a:spcPts val="0"/>
-              </a:spcBef>
-              <a:buFont typeface="Arial" panose="020B0604020202020204" pitchFamily="34" charset="0"/>
-              <a:buChar char="•"/>
-            </a:pPr>
-            <a:r>
-              <a:rPr lang="cs-CZ" sz="2400" dirty="0">
-                <a:latin typeface="Calibri" panose="020F0502020204030204" pitchFamily="34" charset="0"/>
-                <a:cs typeface="Calibri" panose="020F0502020204030204" pitchFamily="34" charset="0"/>
-              </a:rPr>
-              <a:t>TODO: </a:t>
-            </a:r>
-            <a:r>
-              <a:rPr lang="cs-CZ" sz="2400" dirty="0" err="1">
-                <a:latin typeface="Calibri" panose="020F0502020204030204" pitchFamily="34" charset="0"/>
-                <a:cs typeface="Calibri" panose="020F0502020204030204" pitchFamily="34" charset="0"/>
-              </a:rPr>
-              <a:t>diagram?v</a:t>
-            </a:r>
-            <a:endParaRPr lang="cs-CZ" sz="2400" dirty="0">
-              <a:latin typeface="Calibri" panose="020F0502020204030204" pitchFamily="34" charset="0"/>
-              <a:cs typeface="Calibri" panose="020F0502020204030204" pitchFamily="34" charset="0"/>
-            </a:endParaRPr>
-          </a:p>
-        </p:txBody>
-      </p:sp>
+        </p:txBody>
+      </p:sp>
+      <p:pic>
+        <p:nvPicPr>
+          <p:cNvPr id="6" name="Picture 5">
+            <a:extLst>
+              <a:ext uri="{FF2B5EF4-FFF2-40B4-BE49-F238E27FC236}">
+                <a16:creationId xmlns:a16="http://schemas.microsoft.com/office/drawing/2014/main" id="{BEF90F3C-E79F-4A4B-B074-91E57FC435F1}"/>
+              </a:ext>
+            </a:extLst>
+          </p:cNvPr>
+          <p:cNvPicPr>
+            <a:picLocks noChangeAspect="1"/>
+          </p:cNvPicPr>
+          <p:nvPr/>
+        </p:nvPicPr>
+        <p:blipFill>
+          <a:blip r:embed="rId2"/>
+          <a:stretch>
+            <a:fillRect/>
+          </a:stretch>
+        </p:blipFill>
+        <p:spPr>
+          <a:xfrm>
+            <a:off x="2934685" y="3214331"/>
+            <a:ext cx="6538527" cy="861135"/>
+          </a:xfrm>
+          <a:prstGeom prst="rect">
+            <a:avLst/>
+          </a:prstGeom>
+        </p:spPr>
+      </p:pic>
     </p:spTree>
     <p:extLst>
       <p:ext uri="{BB962C8B-B14F-4D97-AF65-F5344CB8AC3E}">
@@ -11236,12 +11809,16 @@
               <a:buChar char="•"/>
             </a:pPr>
             <a:r>
-              <a:rPr lang="cs-CZ" sz="2400" dirty="0">
+              <a:rPr lang="cs-CZ" sz="2400" dirty="0" err="1">
                 <a:latin typeface="Calibri" panose="020F0502020204030204" pitchFamily="34" charset="0"/>
                 <a:cs typeface="Calibri" panose="020F0502020204030204" pitchFamily="34" charset="0"/>
               </a:rPr>
-              <a:t>Nalezení všech k-gramů</a:t>
-            </a:r>
+              <a:t>Bigramy</a:t>
+            </a:r>
+            <a:endParaRPr lang="cs-CZ" sz="2400" dirty="0">
+              <a:latin typeface="Calibri" panose="020F0502020204030204" pitchFamily="34" charset="0"/>
+              <a:cs typeface="Calibri" panose="020F0502020204030204" pitchFamily="34" charset="0"/>
+            </a:endParaRPr>
           </a:p>
           <a:p>
             <a:pPr marL="342900" indent="-342900">
@@ -11259,7 +11836,26 @@
                 <a:latin typeface="Calibri" panose="020F0502020204030204" pitchFamily="34" charset="0"/>
                 <a:cs typeface="Calibri" panose="020F0502020204030204" pitchFamily="34" charset="0"/>
               </a:rPr>
-              <a:t>Výpočet změny entropie</a:t>
+              <a:t>Nahrazení za nový znak</a:t>
+            </a:r>
+          </a:p>
+          <a:p>
+            <a:pPr marL="342900" indent="-342900">
+              <a:lnSpc>
+                <a:spcPct val="100000"/>
+              </a:lnSpc>
+              <a:spcBef>
+                <a:spcPts val="0"/>
+              </a:spcBef>
+              <a:buFont typeface="Arial" panose="020B0604020202020204" pitchFamily="34" charset="0"/>
+              <a:buChar char="•"/>
+            </a:pPr>
+            <a:r>
+              <a:rPr lang="cs-CZ" sz="2400" dirty="0">
+                <a:latin typeface="Calibri" panose="020F0502020204030204" pitchFamily="34" charset="0"/>
+                <a:cs typeface="Calibri" panose="020F0502020204030204" pitchFamily="34" charset="0"/>
+              </a:rPr>
+              <a:t>Uložení do datové struktury slovníku</a:t>
             </a:r>
           </a:p>
         </p:txBody>

--- a/project_presentation/pro0255.pptx
+++ b/project_presentation/pro0255.pptx
@@ -5,10 +5,10 @@
     <p:sldMasterId id="2147483667" r:id="rId1"/>
   </p:sldMasterIdLst>
   <p:notesMasterIdLst>
-    <p:notesMasterId r:id="rId19"/>
+    <p:notesMasterId r:id="rId20"/>
   </p:notesMasterIdLst>
   <p:handoutMasterIdLst>
-    <p:handoutMasterId r:id="rId20"/>
+    <p:handoutMasterId r:id="rId21"/>
   </p:handoutMasterIdLst>
   <p:sldIdLst>
     <p:sldId id="276" r:id="rId2"/>
@@ -26,8 +26,9 @@
     <p:sldId id="321" r:id="rId14"/>
     <p:sldId id="318" r:id="rId15"/>
     <p:sldId id="313" r:id="rId16"/>
-    <p:sldId id="302" r:id="rId17"/>
-    <p:sldId id="281" r:id="rId18"/>
+    <p:sldId id="322" r:id="rId17"/>
+    <p:sldId id="302" r:id="rId18"/>
+    <p:sldId id="281" r:id="rId19"/>
   </p:sldIdLst>
   <p:sldSz cx="12192000" cy="6858000"/>
   <p:notesSz cx="6858000" cy="9144000"/>
@@ -261,7 +262,7 @@
           <a:p>
             <a:fld id="{A70746FA-9F78-5A43-BFD1-03D27A7F3C92}" type="datetimeFigureOut">
               <a:rPr lang="cs-CZ" smtClean="0"/>
-              <a:t>28.03.2022</a:t>
+              <a:t>06.04.2022</a:t>
             </a:fld>
             <a:endParaRPr lang="cs-CZ"/>
           </a:p>
@@ -439,7 +440,7 @@
           <a:p>
             <a:fld id="{D092D10F-BC7E-0545-A8D3-D708044527A6}" type="datetimeFigureOut">
               <a:rPr lang="cs-CZ" smtClean="0"/>
-              <a:t>28.03.2022</a:t>
+              <a:t>06.04.2022</a:t>
             </a:fld>
             <a:endParaRPr lang="cs-CZ"/>
           </a:p>
@@ -856,7 +857,7 @@
           <a:p>
             <a:fld id="{74477E90-4C3A-1A40-BB34-28A95E688A19}" type="slidenum">
               <a:rPr lang="cs-CZ" smtClean="0"/>
-              <a:t>15</a:t>
+              <a:t>16</a:t>
             </a:fld>
             <a:endParaRPr lang="cs-CZ"/>
           </a:p>
@@ -965,7 +966,7 @@
           <a:p>
             <a:fld id="{74477E90-4C3A-1A40-BB34-28A95E688A19}" type="slidenum">
               <a:rPr lang="cs-CZ" smtClean="0"/>
-              <a:t>16</a:t>
+              <a:t>17</a:t>
             </a:fld>
             <a:endParaRPr lang="cs-CZ"/>
           </a:p>
@@ -9236,10 +9237,10 @@
           <a:lstStyle/>
           <a:p>
             <a:r>
-              <a:rPr lang="cs-CZ" b="1"/>
+              <a:rPr lang="cs-CZ" sz="3200" b="1" dirty="0"/>
               <a:t>Časové trvání</a:t>
             </a:r>
-            <a:endParaRPr lang="cs-CZ"/>
+            <a:endParaRPr lang="cs-CZ" sz="3200" dirty="0"/>
           </a:p>
         </p:txBody>
       </p:sp>
@@ -9265,8 +9266,8 @@
         </p:blipFill>
         <p:spPr>
           <a:xfrm>
-            <a:off x="831454" y="1989138"/>
-            <a:ext cx="10529091" cy="4211637"/>
+            <a:off x="183996" y="2896063"/>
+            <a:ext cx="6029434" cy="2411774"/>
           </a:xfrm>
           <a:prstGeom prst="rect">
             <a:avLst/>
@@ -9403,6 +9404,66 @@
           </a:p>
         </p:txBody>
       </p:sp>
+      <p:pic>
+        <p:nvPicPr>
+          <p:cNvPr id="6" name="Picture 5" descr="Chart, bar chart&#10;&#10;Description automatically generated">
+            <a:extLst>
+              <a:ext uri="{FF2B5EF4-FFF2-40B4-BE49-F238E27FC236}">
+                <a16:creationId xmlns:a16="http://schemas.microsoft.com/office/drawing/2014/main" id="{E9C2B881-1691-49AE-AAB6-37390D475B3E}"/>
+              </a:ext>
+            </a:extLst>
+          </p:cNvPr>
+          <p:cNvPicPr>
+            <a:picLocks noChangeAspect="1"/>
+          </p:cNvPicPr>
+          <p:nvPr/>
+        </p:nvPicPr>
+        <p:blipFill>
+          <a:blip r:embed="rId3"/>
+          <a:stretch>
+            <a:fillRect/>
+          </a:stretch>
+        </p:blipFill>
+        <p:spPr>
+          <a:xfrm>
+            <a:off x="6096000" y="363393"/>
+            <a:ext cx="5440472" cy="2170401"/>
+          </a:xfrm>
+          <a:prstGeom prst="rect">
+            <a:avLst/>
+          </a:prstGeom>
+        </p:spPr>
+      </p:pic>
+      <p:pic>
+        <p:nvPicPr>
+          <p:cNvPr id="9" name="Picture 8" descr="Chart, bar chart&#10;&#10;Description automatically generated">
+            <a:extLst>
+              <a:ext uri="{FF2B5EF4-FFF2-40B4-BE49-F238E27FC236}">
+                <a16:creationId xmlns:a16="http://schemas.microsoft.com/office/drawing/2014/main" id="{366A4331-9B8C-46E4-B185-03D2B4AB2227}"/>
+              </a:ext>
+            </a:extLst>
+          </p:cNvPr>
+          <p:cNvPicPr>
+            <a:picLocks noChangeAspect="1"/>
+          </p:cNvPicPr>
+          <p:nvPr/>
+        </p:nvPicPr>
+        <p:blipFill>
+          <a:blip r:embed="rId4"/>
+          <a:stretch>
+            <a:fillRect/>
+          </a:stretch>
+        </p:blipFill>
+        <p:spPr>
+          <a:xfrm>
+            <a:off x="5800244" y="2831337"/>
+            <a:ext cx="6207760" cy="2476500"/>
+          </a:xfrm>
+          <a:prstGeom prst="rect">
+            <a:avLst/>
+          </a:prstGeom>
+        </p:spPr>
+      </p:pic>
     </p:spTree>
     <p:extLst>
       <p:ext uri="{BB962C8B-B14F-4D97-AF65-F5344CB8AC3E}">
@@ -9556,8 +9617,38 @@
         </p:blipFill>
         <p:spPr>
           <a:xfrm>
-            <a:off x="944433" y="2030609"/>
-            <a:ext cx="10303133" cy="2796782"/>
+            <a:off x="1307424" y="1576114"/>
+            <a:ext cx="9793045" cy="2658319"/>
+          </a:xfrm>
+          <a:prstGeom prst="rect">
+            <a:avLst/>
+          </a:prstGeom>
+        </p:spPr>
+      </p:pic>
+      <p:pic>
+        <p:nvPicPr>
+          <p:cNvPr id="7" name="Picture 6" descr="Graphical user interface, text&#10;&#10;Description automatically generated">
+            <a:extLst>
+              <a:ext uri="{FF2B5EF4-FFF2-40B4-BE49-F238E27FC236}">
+                <a16:creationId xmlns:a16="http://schemas.microsoft.com/office/drawing/2014/main" id="{E9D1F6FF-8043-4618-AB8B-AFA0CB3CECC7}"/>
+              </a:ext>
+            </a:extLst>
+          </p:cNvPr>
+          <p:cNvPicPr>
+            <a:picLocks noChangeAspect="1"/>
+          </p:cNvPicPr>
+          <p:nvPr/>
+        </p:nvPicPr>
+        <p:blipFill>
+          <a:blip r:embed="rId3"/>
+          <a:stretch>
+            <a:fillRect/>
+          </a:stretch>
+        </p:blipFill>
+        <p:spPr>
+          <a:xfrm>
+            <a:off x="903778" y="4435943"/>
+            <a:ext cx="10600339" cy="1920406"/>
           </a:xfrm>
           <a:prstGeom prst="rect">
             <a:avLst/>
@@ -9596,32 +9687,108 @@
       </p:grpSpPr>
       <p:sp>
         <p:nvSpPr>
-          <p:cNvPr id="5" name="Obdélník 4">
-            <a:extLst>
-              <a:ext uri="{FF2B5EF4-FFF2-40B4-BE49-F238E27FC236}">
-                <a16:creationId xmlns:a16="http://schemas.microsoft.com/office/drawing/2014/main" id="{EDDB3C1C-78A3-FD45-9288-66B6297FA8A9}"/>
-              </a:ext>
-            </a:extLst>
-          </p:cNvPr>
-          <p:cNvSpPr/>
-          <p:nvPr/>
-        </p:nvSpPr>
-        <p:spPr>
-          <a:xfrm>
-            <a:off x="3455670" y="2844225"/>
-            <a:ext cx="5280660" cy="584775"/>
-          </a:xfrm>
-          <a:prstGeom prst="rect">
-            <a:avLst/>
-          </a:prstGeom>
-        </p:spPr>
-        <p:txBody>
-          <a:bodyPr wrap="square" anchor="b">
-            <a:spAutoFit/>
+          <p:cNvPr id="3" name="Zástupný symbol pro zápatí 2">
+            <a:extLst>
+              <a:ext uri="{FF2B5EF4-FFF2-40B4-BE49-F238E27FC236}">
+                <a16:creationId xmlns:a16="http://schemas.microsoft.com/office/drawing/2014/main" id="{63852AD6-DAF4-45B4-BF39-FCE59531F18B}"/>
+              </a:ext>
+            </a:extLst>
+          </p:cNvPr>
+          <p:cNvSpPr>
+            <a:spLocks noGrp="1"/>
+          </p:cNvSpPr>
+          <p:nvPr>
+            <p:ph type="ftr" sz="quarter" idx="11"/>
+          </p:nvPr>
+        </p:nvSpPr>
+        <p:spPr/>
+        <p:txBody>
+          <a:bodyPr/>
+          <a:lstStyle/>
+          <a:p>
+            <a:r>
+              <a:rPr lang="cs-CZ" dirty="0" err="1"/>
+              <a:t>Reduction</a:t>
+            </a:r>
+            <a:r>
+              <a:rPr lang="cs-CZ" dirty="0"/>
+              <a:t> Paradox</a:t>
+            </a:r>
+          </a:p>
+        </p:txBody>
+      </p:sp>
+      <p:sp>
+        <p:nvSpPr>
+          <p:cNvPr id="4" name="Zástupný symbol pro číslo snímku 3">
+            <a:extLst>
+              <a:ext uri="{FF2B5EF4-FFF2-40B4-BE49-F238E27FC236}">
+                <a16:creationId xmlns:a16="http://schemas.microsoft.com/office/drawing/2014/main" id="{00954F96-0412-40C5-9F25-F5C023770937}"/>
+              </a:ext>
+            </a:extLst>
+          </p:cNvPr>
+          <p:cNvSpPr>
+            <a:spLocks noGrp="1"/>
+          </p:cNvSpPr>
+          <p:nvPr>
+            <p:ph type="sldNum" sz="quarter" idx="12"/>
+          </p:nvPr>
+        </p:nvSpPr>
+        <p:spPr/>
+        <p:txBody>
+          <a:bodyPr/>
+          <a:lstStyle/>
+          <a:p>
+            <a:fld id="{1EA44BAA-1A06-B141-8215-9D88CF6A7203}" type="slidenum">
+              <a:rPr lang="cs-CZ" smtClean="0"/>
+              <a:t>15</a:t>
+            </a:fld>
+            <a:endParaRPr lang="cs-CZ"/>
+          </a:p>
+        </p:txBody>
+      </p:sp>
+      <p:sp>
+        <p:nvSpPr>
+          <p:cNvPr id="5" name="Zástupný text 4">
+            <a:extLst>
+              <a:ext uri="{FF2B5EF4-FFF2-40B4-BE49-F238E27FC236}">
+                <a16:creationId xmlns:a16="http://schemas.microsoft.com/office/drawing/2014/main" id="{B8CD665D-2623-4759-8A25-23327FD65379}"/>
+              </a:ext>
+            </a:extLst>
+          </p:cNvPr>
+          <p:cNvSpPr>
+            <a:spLocks noGrp="1"/>
+          </p:cNvSpPr>
+          <p:nvPr>
+            <p:ph type="body" idx="13"/>
+          </p:nvPr>
+        </p:nvSpPr>
+        <p:spPr/>
+        <p:txBody>
+          <a:bodyPr>
+            <a:normAutofit/>
           </a:bodyPr>
           <a:lstStyle/>
           <a:p>
-            <a:pPr algn="ctr"/>
+            <a:r>
+              <a:rPr lang="en-US" sz="3200" b="1" dirty="0">
+                <a:solidFill>
+                  <a:srgbClr val="05C3DE"/>
+                </a:solidFill>
+                <a:latin typeface="Calibri" panose="020F0502020204030204" pitchFamily="34" charset="0"/>
+                <a:cs typeface="Calibri" panose="020F0502020204030204" pitchFamily="34" charset="0"/>
+              </a:rPr>
+              <a:t>Ro</a:t>
+            </a:r>
+            <a:r>
+              <a:rPr lang="cs-CZ" sz="3200" b="1" dirty="0" err="1">
+                <a:solidFill>
+                  <a:srgbClr val="05C3DE"/>
+                </a:solidFill>
+                <a:latin typeface="Calibri" panose="020F0502020204030204" pitchFamily="34" charset="0"/>
+                <a:cs typeface="Calibri" panose="020F0502020204030204" pitchFamily="34" charset="0"/>
+              </a:rPr>
+              <a:t>zdíl</a:t>
+            </a:r>
             <a:r>
               <a:rPr lang="cs-CZ" sz="3200" b="1" dirty="0">
                 <a:solidFill>
@@ -9630,76 +9797,79 @@
                 <a:latin typeface="Calibri" panose="020F0502020204030204" pitchFamily="34" charset="0"/>
                 <a:cs typeface="Calibri" panose="020F0502020204030204" pitchFamily="34" charset="0"/>
               </a:rPr>
-              <a:t>Otázky?</a:t>
-            </a:r>
-          </a:p>
-        </p:txBody>
-      </p:sp>
-      <p:sp>
-        <p:nvSpPr>
-          <p:cNvPr id="7" name="Footer Placeholder 6">
-            <a:extLst>
-              <a:ext uri="{FF2B5EF4-FFF2-40B4-BE49-F238E27FC236}">
-                <a16:creationId xmlns:a16="http://schemas.microsoft.com/office/drawing/2014/main" id="{DE7F8F67-1B0E-454C-B97D-8D3558E52E65}"/>
-              </a:ext>
-            </a:extLst>
-          </p:cNvPr>
-          <p:cNvSpPr>
-            <a:spLocks noGrp="1"/>
-          </p:cNvSpPr>
-          <p:nvPr>
-            <p:ph type="ftr" sz="quarter" idx="11"/>
-          </p:nvPr>
-        </p:nvSpPr>
-        <p:spPr/>
-        <p:txBody>
-          <a:bodyPr/>
-          <a:lstStyle/>
-          <a:p>
-            <a:r>
-              <a:rPr lang="cs-CZ" dirty="0" err="1"/>
-              <a:t>Reduction</a:t>
-            </a:r>
-            <a:r>
-              <a:rPr lang="cs-CZ" dirty="0"/>
-              <a:t> Paradox</a:t>
-            </a:r>
-          </a:p>
-        </p:txBody>
-      </p:sp>
-      <p:sp>
-        <p:nvSpPr>
-          <p:cNvPr id="8" name="Slide Number Placeholder 7">
-            <a:extLst>
-              <a:ext uri="{FF2B5EF4-FFF2-40B4-BE49-F238E27FC236}">
-                <a16:creationId xmlns:a16="http://schemas.microsoft.com/office/drawing/2014/main" id="{A2C1B493-5082-1F44-8BA5-C2736AC5B948}"/>
-              </a:ext>
-            </a:extLst>
-          </p:cNvPr>
-          <p:cNvSpPr>
-            <a:spLocks noGrp="1"/>
-          </p:cNvSpPr>
-          <p:nvPr>
-            <p:ph type="sldNum" sz="quarter" idx="12"/>
-          </p:nvPr>
-        </p:nvSpPr>
-        <p:spPr/>
-        <p:txBody>
-          <a:bodyPr/>
-          <a:lstStyle/>
-          <a:p>
-            <a:fld id="{1EA44BAA-1A06-B141-8215-9D88CF6A7203}" type="slidenum">
-              <a:rPr lang="cs-CZ" smtClean="0"/>
-              <a:t>15</a:t>
-            </a:fld>
-            <a:endParaRPr lang="cs-CZ"/>
-          </a:p>
-        </p:txBody>
-      </p:sp>
+              <a:t> v provedených krocích</a:t>
+            </a:r>
+            <a:endParaRPr lang="cs-CZ" sz="2400" dirty="0">
+              <a:latin typeface="Calibri" panose="020F0502020204030204" pitchFamily="34" charset="0"/>
+              <a:cs typeface="Calibri" panose="020F0502020204030204" pitchFamily="34" charset="0"/>
+            </a:endParaRPr>
+          </a:p>
+        </p:txBody>
+      </p:sp>
+      <p:pic>
+        <p:nvPicPr>
+          <p:cNvPr id="8" name="Picture 7" descr="Chart, bar chart&#10;&#10;Description automatically generated">
+            <a:extLst>
+              <a:ext uri="{FF2B5EF4-FFF2-40B4-BE49-F238E27FC236}">
+                <a16:creationId xmlns:a16="http://schemas.microsoft.com/office/drawing/2014/main" id="{E550C859-A16B-4C88-90B8-5D0F0A9EC26F}"/>
+              </a:ext>
+            </a:extLst>
+          </p:cNvPr>
+          <p:cNvPicPr>
+            <a:picLocks noChangeAspect="1"/>
+          </p:cNvPicPr>
+          <p:nvPr/>
+        </p:nvPicPr>
+        <p:blipFill>
+          <a:blip r:embed="rId2"/>
+          <a:stretch>
+            <a:fillRect/>
+          </a:stretch>
+        </p:blipFill>
+        <p:spPr>
+          <a:xfrm>
+            <a:off x="2583179" y="1471801"/>
+            <a:ext cx="7241540" cy="2888912"/>
+          </a:xfrm>
+          <a:prstGeom prst="rect">
+            <a:avLst/>
+          </a:prstGeom>
+        </p:spPr>
+      </p:pic>
+      <p:pic>
+        <p:nvPicPr>
+          <p:cNvPr id="10" name="Picture 9" descr="Chart, bar chart&#10;&#10;Description automatically generated">
+            <a:extLst>
+              <a:ext uri="{FF2B5EF4-FFF2-40B4-BE49-F238E27FC236}">
+                <a16:creationId xmlns:a16="http://schemas.microsoft.com/office/drawing/2014/main" id="{1C180C58-C342-4B21-94B5-9DF0F0FB5A9D}"/>
+              </a:ext>
+            </a:extLst>
+          </p:cNvPr>
+          <p:cNvPicPr>
+            <a:picLocks noChangeAspect="1"/>
+          </p:cNvPicPr>
+          <p:nvPr/>
+        </p:nvPicPr>
+        <p:blipFill>
+          <a:blip r:embed="rId3"/>
+          <a:stretch>
+            <a:fillRect/>
+          </a:stretch>
+        </p:blipFill>
+        <p:spPr>
+          <a:xfrm>
+            <a:off x="2829248" y="4133709"/>
+            <a:ext cx="6749401" cy="2692580"/>
+          </a:xfrm>
+          <a:prstGeom prst="rect">
+            <a:avLst/>
+          </a:prstGeom>
+        </p:spPr>
+      </p:pic>
     </p:spTree>
     <p:extLst>
       <p:ext uri="{BB962C8B-B14F-4D97-AF65-F5344CB8AC3E}">
-        <p14:creationId xmlns:p14="http://schemas.microsoft.com/office/powerpoint/2010/main" val="1699132948"/>
+        <p14:creationId xmlns:p14="http://schemas.microsoft.com/office/powerpoint/2010/main" val="3152119840"/>
       </p:ext>
     </p:extLst>
   </p:cSld>
@@ -9762,7 +9932,7 @@
                 <a:latin typeface="Calibri" panose="020F0502020204030204" pitchFamily="34" charset="0"/>
                 <a:cs typeface="Calibri" panose="020F0502020204030204" pitchFamily="34" charset="0"/>
               </a:rPr>
-              <a:t>Moc děkuji za pozornost!</a:t>
+              <a:t>Otázky?</a:t>
             </a:r>
           </a:p>
         </p:txBody>
@@ -9823,6 +9993,138 @@
             <a:fld id="{1EA44BAA-1A06-B141-8215-9D88CF6A7203}" type="slidenum">
               <a:rPr lang="cs-CZ" smtClean="0"/>
               <a:t>16</a:t>
+            </a:fld>
+            <a:endParaRPr lang="cs-CZ"/>
+          </a:p>
+        </p:txBody>
+      </p:sp>
+    </p:spTree>
+    <p:extLst>
+      <p:ext uri="{BB962C8B-B14F-4D97-AF65-F5344CB8AC3E}">
+        <p14:creationId xmlns:p14="http://schemas.microsoft.com/office/powerpoint/2010/main" val="1699132948"/>
+      </p:ext>
+    </p:extLst>
+  </p:cSld>
+  <p:clrMapOvr>
+    <a:masterClrMapping/>
+  </p:clrMapOvr>
+</p:sld>
+</file>
+
+<file path=ppt/slides/slide18.xml><?xml version="1.0" encoding="utf-8"?>
+<p:sld xmlns:a="http://schemas.openxmlformats.org/drawingml/2006/main" xmlns:r="http://schemas.openxmlformats.org/officeDocument/2006/relationships" xmlns:p="http://schemas.openxmlformats.org/presentationml/2006/main">
+  <p:cSld>
+    <p:spTree>
+      <p:nvGrpSpPr>
+        <p:cNvPr id="1" name=""/>
+        <p:cNvGrpSpPr/>
+        <p:nvPr/>
+      </p:nvGrpSpPr>
+      <p:grpSpPr>
+        <a:xfrm>
+          <a:off x="0" y="0"/>
+          <a:ext cx="0" cy="0"/>
+          <a:chOff x="0" y="0"/>
+          <a:chExt cx="0" cy="0"/>
+        </a:xfrm>
+      </p:grpSpPr>
+      <p:sp>
+        <p:nvSpPr>
+          <p:cNvPr id="5" name="Obdélník 4">
+            <a:extLst>
+              <a:ext uri="{FF2B5EF4-FFF2-40B4-BE49-F238E27FC236}">
+                <a16:creationId xmlns:a16="http://schemas.microsoft.com/office/drawing/2014/main" id="{EDDB3C1C-78A3-FD45-9288-66B6297FA8A9}"/>
+              </a:ext>
+            </a:extLst>
+          </p:cNvPr>
+          <p:cNvSpPr/>
+          <p:nvPr/>
+        </p:nvSpPr>
+        <p:spPr>
+          <a:xfrm>
+            <a:off x="3455670" y="2844225"/>
+            <a:ext cx="5280660" cy="584775"/>
+          </a:xfrm>
+          <a:prstGeom prst="rect">
+            <a:avLst/>
+          </a:prstGeom>
+        </p:spPr>
+        <p:txBody>
+          <a:bodyPr wrap="square" anchor="b">
+            <a:spAutoFit/>
+          </a:bodyPr>
+          <a:lstStyle/>
+          <a:p>
+            <a:pPr algn="ctr"/>
+            <a:r>
+              <a:rPr lang="cs-CZ" sz="3200" b="1" dirty="0">
+                <a:solidFill>
+                  <a:srgbClr val="05C3DE"/>
+                </a:solidFill>
+                <a:latin typeface="Calibri" panose="020F0502020204030204" pitchFamily="34" charset="0"/>
+                <a:cs typeface="Calibri" panose="020F0502020204030204" pitchFamily="34" charset="0"/>
+              </a:rPr>
+              <a:t>Moc děkuji za pozornost!</a:t>
+            </a:r>
+          </a:p>
+        </p:txBody>
+      </p:sp>
+      <p:sp>
+        <p:nvSpPr>
+          <p:cNvPr id="7" name="Footer Placeholder 6">
+            <a:extLst>
+              <a:ext uri="{FF2B5EF4-FFF2-40B4-BE49-F238E27FC236}">
+                <a16:creationId xmlns:a16="http://schemas.microsoft.com/office/drawing/2014/main" id="{DE7F8F67-1B0E-454C-B97D-8D3558E52E65}"/>
+              </a:ext>
+            </a:extLst>
+          </p:cNvPr>
+          <p:cNvSpPr>
+            <a:spLocks noGrp="1"/>
+          </p:cNvSpPr>
+          <p:nvPr>
+            <p:ph type="ftr" sz="quarter" idx="11"/>
+          </p:nvPr>
+        </p:nvSpPr>
+        <p:spPr/>
+        <p:txBody>
+          <a:bodyPr/>
+          <a:lstStyle/>
+          <a:p>
+            <a:r>
+              <a:rPr lang="cs-CZ" dirty="0" err="1"/>
+              <a:t>Reduction</a:t>
+            </a:r>
+            <a:r>
+              <a:rPr lang="cs-CZ" dirty="0"/>
+              <a:t> Paradox</a:t>
+            </a:r>
+          </a:p>
+        </p:txBody>
+      </p:sp>
+      <p:sp>
+        <p:nvSpPr>
+          <p:cNvPr id="8" name="Slide Number Placeholder 7">
+            <a:extLst>
+              <a:ext uri="{FF2B5EF4-FFF2-40B4-BE49-F238E27FC236}">
+                <a16:creationId xmlns:a16="http://schemas.microsoft.com/office/drawing/2014/main" id="{A2C1B493-5082-1F44-8BA5-C2736AC5B948}"/>
+              </a:ext>
+            </a:extLst>
+          </p:cNvPr>
+          <p:cNvSpPr>
+            <a:spLocks noGrp="1"/>
+          </p:cNvSpPr>
+          <p:nvPr>
+            <p:ph type="sldNum" sz="quarter" idx="12"/>
+          </p:nvPr>
+        </p:nvSpPr>
+        <p:spPr/>
+        <p:txBody>
+          <a:bodyPr/>
+          <a:lstStyle/>
+          <a:p>
+            <a:fld id="{1EA44BAA-1A06-B141-8215-9D88CF6A7203}" type="slidenum">
+              <a:rPr lang="cs-CZ" smtClean="0"/>
+              <a:t>17</a:t>
             </a:fld>
             <a:endParaRPr lang="cs-CZ"/>
           </a:p>
@@ -11352,7 +11654,21 @@
                 <a:latin typeface="Calibri" panose="020F0502020204030204" pitchFamily="34" charset="0"/>
                 <a:cs typeface="Calibri" panose="020F0502020204030204" pitchFamily="34" charset="0"/>
               </a:rPr>
-              <a:t>|m|*Hm</a:t>
+              <a:t>|m_1|*Hm_1</a:t>
+            </a:r>
+            <a:r>
+              <a:rPr lang="cs-CZ" sz="2400" b="1" dirty="0">
+                <a:latin typeface="Calibri" panose="020F0502020204030204" pitchFamily="34" charset="0"/>
+                <a:cs typeface="Calibri" panose="020F0502020204030204" pitchFamily="34" charset="0"/>
+              </a:rPr>
+              <a:t> </a:t>
+            </a:r>
+            <a:r>
+              <a:rPr lang="en-US" sz="2400" b="1" dirty="0">
+                <a:latin typeface="Calibri" panose="020F0502020204030204" pitchFamily="34" charset="0"/>
+                <a:cs typeface="Calibri" panose="020F0502020204030204" pitchFamily="34" charset="0"/>
+              </a:rPr>
+              <a:t>&lt; |m_1|*Hm_1</a:t>
             </a:r>
             <a:endParaRPr lang="cs-CZ" sz="2400" b="1" dirty="0">
               <a:latin typeface="Calibri" panose="020F0502020204030204" pitchFamily="34" charset="0"/>
